--- a/baej.lih.project-1 Presentation.pptx
+++ b/baej.lih.project-1 Presentation.pptx
@@ -5,7 +5,7 @@
     <p:sldMasterId id="2147483696" r:id="rId1"/>
   </p:sldMasterIdLst>
   <p:notesMasterIdLst>
-    <p:notesMasterId r:id="rId13"/>
+    <p:notesMasterId r:id="rId14"/>
   </p:notesMasterIdLst>
   <p:sldIdLst>
     <p:sldId id="256" r:id="rId2"/>
@@ -18,7 +18,8 @@
     <p:sldId id="260" r:id="rId9"/>
     <p:sldId id="266" r:id="rId10"/>
     <p:sldId id="265" r:id="rId11"/>
-    <p:sldId id="261" r:id="rId12"/>
+    <p:sldId id="267" r:id="rId12"/>
+    <p:sldId id="261" r:id="rId13"/>
   </p:sldIdLst>
   <p:sldSz cx="9144000" cy="6858000" type="screen4x3"/>
   <p:notesSz cx="6858000" cy="9144000"/>
@@ -117,6 +118,22 @@
       </a:defRPr>
     </a:lvl9pPr>
   </p:defaultTextStyle>
+  <p:extLst>
+    <p:ext uri="{EFAFB233-063F-42B5-8137-9DF3F51BA10A}">
+      <p15:sldGuideLst xmlns:p15="http://schemas.microsoft.com/office/powerpoint/2012/main">
+        <p15:guide id="1" orient="horz" pos="2160">
+          <p15:clr>
+            <a:srgbClr val="A4A3A4"/>
+          </p15:clr>
+        </p15:guide>
+        <p15:guide id="2" pos="2880">
+          <p15:clr>
+            <a:srgbClr val="A4A3A4"/>
+          </p15:clr>
+        </p15:guide>
+      </p15:sldGuideLst>
+    </p:ext>
+  </p:extLst>
 </p:presentation>
 </file>
 
@@ -202,7 +219,7 @@
           <a:p>
             <a:fld id="{7FB712BC-AE2B-4760-94D7-99B3CEF02D64}" type="datetimeFigureOut">
               <a:rPr lang="en-US" smtClean="0"/>
-              <a:t>10/31/2016</a:t>
+              <a:t>11/6/16</a:t>
             </a:fld>
             <a:endParaRPr lang="en-US"/>
           </a:p>
@@ -619,7 +636,7 @@
           <a:p>
             <a:fld id="{067E96DB-0F97-464C-BDF1-DF474AC9290B}" type="slidenum">
               <a:rPr lang="en-US" smtClean="0"/>
-              <a:t>11</a:t>
+              <a:t>12</a:t>
             </a:fld>
             <a:endParaRPr lang="en-US"/>
           </a:p>
@@ -826,7 +843,7 @@
           <a:p>
             <a:fld id="{9B2D2B65-2278-4999-8038-1EF4CF8A0D7C}" type="datetimeFigureOut">
               <a:rPr lang="en-US" smtClean="0"/>
-              <a:t>10/31/2016</a:t>
+              <a:t>11/6/16</a:t>
             </a:fld>
             <a:endParaRPr lang="en-US"/>
           </a:p>
@@ -1026,7 +1043,7 @@
           <a:p>
             <a:fld id="{9B2D2B65-2278-4999-8038-1EF4CF8A0D7C}" type="datetimeFigureOut">
               <a:rPr lang="en-US" smtClean="0"/>
-              <a:t>10/31/2016</a:t>
+              <a:t>11/6/16</a:t>
             </a:fld>
             <a:endParaRPr lang="en-US"/>
           </a:p>
@@ -1201,7 +1218,7 @@
           <a:p>
             <a:fld id="{9B2D2B65-2278-4999-8038-1EF4CF8A0D7C}" type="datetimeFigureOut">
               <a:rPr lang="en-US" smtClean="0"/>
-              <a:t>10/31/2016</a:t>
+              <a:t>11/6/16</a:t>
             </a:fld>
             <a:endParaRPr lang="en-US"/>
           </a:p>
@@ -1366,7 +1383,7 @@
           <a:p>
             <a:fld id="{9B2D2B65-2278-4999-8038-1EF4CF8A0D7C}" type="datetimeFigureOut">
               <a:rPr lang="en-US" smtClean="0"/>
-              <a:t>10/31/2016</a:t>
+              <a:t>11/6/16</a:t>
             </a:fld>
             <a:endParaRPr lang="en-US"/>
           </a:p>
@@ -1614,7 +1631,7 @@
           <a:p>
             <a:fld id="{9B2D2B65-2278-4999-8038-1EF4CF8A0D7C}" type="datetimeFigureOut">
               <a:rPr lang="en-US" smtClean="0"/>
-              <a:t>10/31/2016</a:t>
+              <a:t>11/6/16</a:t>
             </a:fld>
             <a:endParaRPr lang="en-US"/>
           </a:p>
@@ -1932,7 +1949,7 @@
           <a:p>
             <a:fld id="{9B2D2B65-2278-4999-8038-1EF4CF8A0D7C}" type="datetimeFigureOut">
               <a:rPr lang="en-US" smtClean="0"/>
-              <a:t>10/31/2016</a:t>
+              <a:t>11/6/16</a:t>
             </a:fld>
             <a:endParaRPr lang="en-US"/>
           </a:p>
@@ -2398,7 +2415,7 @@
           <a:p>
             <a:fld id="{9B2D2B65-2278-4999-8038-1EF4CF8A0D7C}" type="datetimeFigureOut">
               <a:rPr lang="en-US" smtClean="0"/>
-              <a:t>10/31/2016</a:t>
+              <a:t>11/6/16</a:t>
             </a:fld>
             <a:endParaRPr lang="en-US"/>
           </a:p>
@@ -2546,7 +2563,7 @@
           <a:p>
             <a:fld id="{9B2D2B65-2278-4999-8038-1EF4CF8A0D7C}" type="datetimeFigureOut">
               <a:rPr lang="en-US" smtClean="0"/>
-              <a:t>10/31/2016</a:t>
+              <a:t>11/6/16</a:t>
             </a:fld>
             <a:endParaRPr lang="en-US"/>
           </a:p>
@@ -2636,7 +2653,7 @@
           <a:p>
             <a:fld id="{9B2D2B65-2278-4999-8038-1EF4CF8A0D7C}" type="datetimeFigureOut">
               <a:rPr lang="en-US" smtClean="0"/>
-              <a:t>10/31/2016</a:t>
+              <a:t>11/6/16</a:t>
             </a:fld>
             <a:endParaRPr lang="en-US"/>
           </a:p>
@@ -2910,7 +2927,7 @@
           <a:p>
             <a:fld id="{9B2D2B65-2278-4999-8038-1EF4CF8A0D7C}" type="datetimeFigureOut">
               <a:rPr lang="en-US" smtClean="0"/>
-              <a:t>10/31/2016</a:t>
+              <a:t>11/6/16</a:t>
             </a:fld>
             <a:endParaRPr lang="en-US"/>
           </a:p>
@@ -3215,7 +3232,7 @@
           <a:p>
             <a:fld id="{9B2D2B65-2278-4999-8038-1EF4CF8A0D7C}" type="datetimeFigureOut">
               <a:rPr lang="en-US" smtClean="0"/>
-              <a:t>10/31/2016</a:t>
+              <a:t>11/6/16</a:t>
             </a:fld>
             <a:endParaRPr lang="en-US"/>
           </a:p>
@@ -3513,7 +3530,7 @@
           <a:p>
             <a:fld id="{9B2D2B65-2278-4999-8038-1EF4CF8A0D7C}" type="datetimeFigureOut">
               <a:rPr lang="en-US" smtClean="0"/>
-              <a:t>10/31/2016</a:t>
+              <a:t>11/6/16</a:t>
             </a:fld>
             <a:endParaRPr lang="en-US"/>
           </a:p>
@@ -4032,7 +4049,7 @@
           <a:bodyPr/>
           <a:lstStyle/>
           <a:p>
-            <a:endParaRPr lang="en-US"/>
+            <a:endParaRPr lang="en-US" dirty="0"/>
           </a:p>
         </p:txBody>
       </p:sp>
@@ -4083,6 +4100,151 @@
           <a:p>
             <a:r>
               <a:rPr lang="en-US" dirty="0" smtClean="0"/>
+              <a:t>Classification</a:t>
+            </a:r>
+            <a:endParaRPr lang="en-US" dirty="0"/>
+          </a:p>
+        </p:txBody>
+      </p:sp>
+      <p:sp>
+        <p:nvSpPr>
+          <p:cNvPr id="3" name="Content Placeholder 2"/>
+          <p:cNvSpPr>
+            <a:spLocks noGrp="1"/>
+          </p:cNvSpPr>
+          <p:nvPr>
+            <p:ph idx="1"/>
+          </p:nvPr>
+        </p:nvSpPr>
+        <p:spPr>
+          <a:xfrm>
+            <a:off x="457200" y="5486400"/>
+            <a:ext cx="8229600" cy="990600"/>
+          </a:xfrm>
+        </p:spPr>
+        <p:txBody>
+          <a:bodyPr/>
+          <a:lstStyle/>
+          <a:p>
+            <a:pPr marL="0" marR="0" lvl="0" indent="0" defTabSz="914400" eaLnBrk="1" fontAlgn="auto" latinLnBrk="0" hangingPunct="1">
+              <a:lnSpc>
+                <a:spcPct val="100000"/>
+              </a:lnSpc>
+              <a:spcBef>
+                <a:spcPts val="0"/>
+              </a:spcBef>
+              <a:spcAft>
+                <a:spcPts val="0"/>
+              </a:spcAft>
+              <a:buClrTx/>
+              <a:buSzTx/>
+              <a:buFontTx/>
+              <a:buNone/>
+              <a:tabLst/>
+              <a:defRPr/>
+            </a:pPr>
+            <a:r>
+              <a:rPr lang="en-US" dirty="0" smtClean="0"/>
+              <a:t>Attractiveness and funniness always matter</a:t>
+            </a:r>
+          </a:p>
+          <a:p>
+            <a:pPr marL="0" marR="0" lvl="0" indent="0" defTabSz="914400" eaLnBrk="1" fontAlgn="auto" latinLnBrk="0" hangingPunct="1">
+              <a:lnSpc>
+                <a:spcPct val="100000"/>
+              </a:lnSpc>
+              <a:spcBef>
+                <a:spcPts val="0"/>
+              </a:spcBef>
+              <a:spcAft>
+                <a:spcPts val="0"/>
+              </a:spcAft>
+              <a:buClrTx/>
+              <a:buSzTx/>
+              <a:buFontTx/>
+              <a:buNone/>
+              <a:tabLst/>
+              <a:defRPr/>
+            </a:pPr>
+            <a:r>
+              <a:rPr lang="en-US" dirty="0" smtClean="0"/>
+              <a:t>Field and sincerity matter when you are attractive </a:t>
+            </a:r>
+            <a:endParaRPr lang="en-US" dirty="0"/>
+          </a:p>
+        </p:txBody>
+      </p:sp>
+      <p:pic>
+        <p:nvPicPr>
+          <p:cNvPr id="4" name="Picture 3"/>
+          <p:cNvPicPr>
+            <a:picLocks noChangeAspect="1"/>
+          </p:cNvPicPr>
+          <p:nvPr/>
+        </p:nvPicPr>
+        <p:blipFill>
+          <a:blip r:embed="rId2"/>
+          <a:stretch>
+            <a:fillRect/>
+          </a:stretch>
+        </p:blipFill>
+        <p:spPr>
+          <a:xfrm>
+            <a:off x="507319" y="1661867"/>
+            <a:ext cx="8199120" cy="3886200"/>
+          </a:xfrm>
+          <a:prstGeom prst="rect">
+            <a:avLst/>
+          </a:prstGeom>
+        </p:spPr>
+      </p:pic>
+    </p:spTree>
+    <p:extLst>
+      <p:ext uri="{BB962C8B-B14F-4D97-AF65-F5344CB8AC3E}">
+        <p14:creationId xmlns:p14="http://schemas.microsoft.com/office/powerpoint/2010/main" val="1191810939"/>
+      </p:ext>
+    </p:extLst>
+  </p:cSld>
+  <p:clrMapOvr>
+    <a:masterClrMapping/>
+  </p:clrMapOvr>
+</p:sld>
+</file>
+
+<file path=ppt/slides/slide12.xml><?xml version="1.0" encoding="utf-8"?>
+<p:sld xmlns:a="http://schemas.openxmlformats.org/drawingml/2006/main" xmlns:r="http://schemas.openxmlformats.org/officeDocument/2006/relationships" xmlns:p="http://schemas.openxmlformats.org/presentationml/2006/main">
+  <p:cSld>
+    <p:spTree>
+      <p:nvGrpSpPr>
+        <p:cNvPr id="1" name=""/>
+        <p:cNvGrpSpPr/>
+        <p:nvPr/>
+      </p:nvGrpSpPr>
+      <p:grpSpPr>
+        <a:xfrm>
+          <a:off x="0" y="0"/>
+          <a:ext cx="0" cy="0"/>
+          <a:chOff x="0" y="0"/>
+          <a:chExt cx="0" cy="0"/>
+        </a:xfrm>
+      </p:grpSpPr>
+      <p:sp>
+        <p:nvSpPr>
+          <p:cNvPr id="2" name="Title 1"/>
+          <p:cNvSpPr>
+            <a:spLocks noGrp="1"/>
+          </p:cNvSpPr>
+          <p:nvPr>
+            <p:ph type="title"/>
+          </p:nvPr>
+        </p:nvSpPr>
+        <p:spPr/>
+        <p:txBody>
+          <a:bodyPr/>
+          <a:lstStyle/>
+          <a:p>
+            <a:r>
+              <a:rPr lang="en-US" dirty="0" smtClean="0"/>
               <a:t>Conclusion</a:t>
             </a:r>
             <a:endParaRPr lang="en-US" dirty="0"/>
@@ -4104,7 +4266,28 @@
           <a:bodyPr/>
           <a:lstStyle/>
           <a:p>
-            <a:endParaRPr lang="en-US" dirty="0"/>
+            <a:r>
+              <a:rPr lang="en-US" dirty="0" smtClean="0"/>
+              <a:t>Further Study:</a:t>
+            </a:r>
+          </a:p>
+          <a:p>
+            <a:pPr lvl="1"/>
+            <a:r>
+              <a:rPr lang="en-US" dirty="0" smtClean="0"/>
+              <a:t>Correlations between ratings and other attributes</a:t>
+            </a:r>
+          </a:p>
+          <a:p>
+            <a:pPr lvl="1"/>
+            <a:r>
+              <a:rPr lang="en-US" dirty="0" smtClean="0"/>
+              <a:t>Include education and income measurement </a:t>
+            </a:r>
+          </a:p>
+          <a:p>
+            <a:pPr lvl="1"/>
+            <a:endParaRPr lang="en-US" dirty="0" smtClean="0"/>
           </a:p>
         </p:txBody>
       </p:sp>

--- a/baej.lih.project-1 Presentation.pptx
+++ b/baej.lih.project-1 Presentation.pptx
@@ -5,21 +5,17 @@
     <p:sldMasterId id="2147483696" r:id="rId1"/>
   </p:sldMasterIdLst>
   <p:notesMasterIdLst>
-    <p:notesMasterId r:id="rId14"/>
+    <p:notesMasterId r:id="rId10"/>
   </p:notesMasterIdLst>
   <p:sldIdLst>
     <p:sldId id="256" r:id="rId2"/>
     <p:sldId id="257" r:id="rId3"/>
-    <p:sldId id="258" r:id="rId4"/>
-    <p:sldId id="262" r:id="rId5"/>
-    <p:sldId id="263" r:id="rId6"/>
-    <p:sldId id="264" r:id="rId7"/>
-    <p:sldId id="259" r:id="rId8"/>
-    <p:sldId id="260" r:id="rId9"/>
-    <p:sldId id="266" r:id="rId10"/>
-    <p:sldId id="265" r:id="rId11"/>
-    <p:sldId id="267" r:id="rId12"/>
-    <p:sldId id="261" r:id="rId13"/>
+    <p:sldId id="262" r:id="rId4"/>
+    <p:sldId id="268" r:id="rId5"/>
+    <p:sldId id="267" r:id="rId6"/>
+    <p:sldId id="269" r:id="rId7"/>
+    <p:sldId id="264" r:id="rId8"/>
+    <p:sldId id="261" r:id="rId9"/>
   </p:sldIdLst>
   <p:sldSz cx="9144000" cy="6858000" type="screen4x3"/>
   <p:notesSz cx="6858000" cy="9144000"/>
@@ -120,7 +116,7 @@
   </p:defaultTextStyle>
   <p:extLst>
     <p:ext uri="{EFAFB233-063F-42B5-8137-9DF3F51BA10A}">
-      <p15:sldGuideLst xmlns:p15="http://schemas.microsoft.com/office/powerpoint/2012/main">
+      <p15:sldGuideLst xmlns:p15="http://schemas.microsoft.com/office/powerpoint/2012/main" xmlns="">
         <p15:guide id="1" orient="horz" pos="2160">
           <p15:clr>
             <a:srgbClr val="A4A3A4"/>
@@ -219,7 +215,7 @@
           <a:p>
             <a:fld id="{7FB712BC-AE2B-4760-94D7-99B3CEF02D64}" type="datetimeFigureOut">
               <a:rPr lang="en-US" smtClean="0"/>
-              <a:t>11/6/16</a:t>
+              <a:t>11/6/2016</a:t>
             </a:fld>
             <a:endParaRPr lang="en-US"/>
           </a:p>
@@ -531,7 +527,17 @@
           <a:bodyPr/>
           <a:lstStyle/>
           <a:p>
-            <a:endParaRPr lang="en-US" dirty="0" smtClean="0"/>
+            <a:r>
+              <a:rPr lang="en-US" dirty="0" smtClean="0"/>
+              <a:t>http://www.census.gov/newsroom/facts-for-features/2015/cb15-ff19.html</a:t>
+            </a:r>
+          </a:p>
+          <a:p>
+            <a:r>
+              <a:rPr lang="en-US" dirty="0" smtClean="0"/>
+              <a:t>http://www.nyeasydates.com/speed_dating_articles/want_to_try_speed_dating_consider_these_statistics.html</a:t>
+            </a:r>
+            <a:endParaRPr lang="en-US" dirty="0"/>
           </a:p>
         </p:txBody>
       </p:sp>
@@ -552,7 +558,7 @@
           <a:p>
             <a:fld id="{067E96DB-0F97-464C-BDF1-DF474AC9290B}" type="slidenum">
               <a:rPr lang="en-US" smtClean="0"/>
-              <a:t>5</a:t>
+              <a:t>2</a:t>
             </a:fld>
             <a:endParaRPr lang="en-US"/>
           </a:p>
@@ -561,7 +567,7 @@
     </p:spTree>
     <p:extLst>
       <p:ext uri="{BB962C8B-B14F-4D97-AF65-F5344CB8AC3E}">
-        <p14:creationId xmlns:p14="http://schemas.microsoft.com/office/powerpoint/2010/main" val="1921490954"/>
+        <p14:creationId xmlns:p14="http://schemas.microsoft.com/office/powerpoint/2010/main" val="3358800824"/>
       </p:ext>
     </p:extLst>
   </p:cSld>
@@ -636,7 +642,7 @@
           <a:p>
             <a:fld id="{067E96DB-0F97-464C-BDF1-DF474AC9290B}" type="slidenum">
               <a:rPr lang="en-US" smtClean="0"/>
-              <a:t>12</a:t>
+              <a:t>8</a:t>
             </a:fld>
             <a:endParaRPr lang="en-US"/>
           </a:p>
@@ -843,7 +849,7 @@
           <a:p>
             <a:fld id="{9B2D2B65-2278-4999-8038-1EF4CF8A0D7C}" type="datetimeFigureOut">
               <a:rPr lang="en-US" smtClean="0"/>
-              <a:t>11/6/16</a:t>
+              <a:t>11/6/2016</a:t>
             </a:fld>
             <a:endParaRPr lang="en-US"/>
           </a:p>
@@ -1043,7 +1049,7 @@
           <a:p>
             <a:fld id="{9B2D2B65-2278-4999-8038-1EF4CF8A0D7C}" type="datetimeFigureOut">
               <a:rPr lang="en-US" smtClean="0"/>
-              <a:t>11/6/16</a:t>
+              <a:t>11/6/2016</a:t>
             </a:fld>
             <a:endParaRPr lang="en-US"/>
           </a:p>
@@ -1218,7 +1224,7 @@
           <a:p>
             <a:fld id="{9B2D2B65-2278-4999-8038-1EF4CF8A0D7C}" type="datetimeFigureOut">
               <a:rPr lang="en-US" smtClean="0"/>
-              <a:t>11/6/16</a:t>
+              <a:t>11/6/2016</a:t>
             </a:fld>
             <a:endParaRPr lang="en-US"/>
           </a:p>
@@ -1383,7 +1389,7 @@
           <a:p>
             <a:fld id="{9B2D2B65-2278-4999-8038-1EF4CF8A0D7C}" type="datetimeFigureOut">
               <a:rPr lang="en-US" smtClean="0"/>
-              <a:t>11/6/16</a:t>
+              <a:t>11/6/2016</a:t>
             </a:fld>
             <a:endParaRPr lang="en-US"/>
           </a:p>
@@ -1631,7 +1637,7 @@
           <a:p>
             <a:fld id="{9B2D2B65-2278-4999-8038-1EF4CF8A0D7C}" type="datetimeFigureOut">
               <a:rPr lang="en-US" smtClean="0"/>
-              <a:t>11/6/16</a:t>
+              <a:t>11/6/2016</a:t>
             </a:fld>
             <a:endParaRPr lang="en-US"/>
           </a:p>
@@ -1949,7 +1955,7 @@
           <a:p>
             <a:fld id="{9B2D2B65-2278-4999-8038-1EF4CF8A0D7C}" type="datetimeFigureOut">
               <a:rPr lang="en-US" smtClean="0"/>
-              <a:t>11/6/16</a:t>
+              <a:t>11/6/2016</a:t>
             </a:fld>
             <a:endParaRPr lang="en-US"/>
           </a:p>
@@ -2415,7 +2421,7 @@
           <a:p>
             <a:fld id="{9B2D2B65-2278-4999-8038-1EF4CF8A0D7C}" type="datetimeFigureOut">
               <a:rPr lang="en-US" smtClean="0"/>
-              <a:t>11/6/16</a:t>
+              <a:t>11/6/2016</a:t>
             </a:fld>
             <a:endParaRPr lang="en-US"/>
           </a:p>
@@ -2563,7 +2569,7 @@
           <a:p>
             <a:fld id="{9B2D2B65-2278-4999-8038-1EF4CF8A0D7C}" type="datetimeFigureOut">
               <a:rPr lang="en-US" smtClean="0"/>
-              <a:t>11/6/16</a:t>
+              <a:t>11/6/2016</a:t>
             </a:fld>
             <a:endParaRPr lang="en-US"/>
           </a:p>
@@ -2653,7 +2659,7 @@
           <a:p>
             <a:fld id="{9B2D2B65-2278-4999-8038-1EF4CF8A0D7C}" type="datetimeFigureOut">
               <a:rPr lang="en-US" smtClean="0"/>
-              <a:t>11/6/16</a:t>
+              <a:t>11/6/2016</a:t>
             </a:fld>
             <a:endParaRPr lang="en-US"/>
           </a:p>
@@ -2927,7 +2933,7 @@
           <a:p>
             <a:fld id="{9B2D2B65-2278-4999-8038-1EF4CF8A0D7C}" type="datetimeFigureOut">
               <a:rPr lang="en-US" smtClean="0"/>
-              <a:t>11/6/16</a:t>
+              <a:t>11/6/2016</a:t>
             </a:fld>
             <a:endParaRPr lang="en-US"/>
           </a:p>
@@ -3232,7 +3238,7 @@
           <a:p>
             <a:fld id="{9B2D2B65-2278-4999-8038-1EF4CF8A0D7C}" type="datetimeFigureOut">
               <a:rPr lang="en-US" smtClean="0"/>
-              <a:t>11/6/16</a:t>
+              <a:t>11/6/2016</a:t>
             </a:fld>
             <a:endParaRPr lang="en-US"/>
           </a:p>
@@ -3530,7 +3536,7 @@
           <a:p>
             <a:fld id="{9B2D2B65-2278-4999-8038-1EF4CF8A0D7C}" type="datetimeFigureOut">
               <a:rPr lang="en-US" smtClean="0"/>
-              <a:t>11/6/16</a:t>
+              <a:t>11/6/2016</a:t>
             </a:fld>
             <a:endParaRPr lang="en-US"/>
           </a:p>
@@ -3994,316 +4000,6 @@
 </p:sld>
 </file>
 
-<file path=ppt/slides/slide10.xml><?xml version="1.0" encoding="utf-8"?>
-<p:sld xmlns:a="http://schemas.openxmlformats.org/drawingml/2006/main" xmlns:r="http://schemas.openxmlformats.org/officeDocument/2006/relationships" xmlns:p="http://schemas.openxmlformats.org/presentationml/2006/main">
-  <p:cSld>
-    <p:spTree>
-      <p:nvGrpSpPr>
-        <p:cNvPr id="1" name=""/>
-        <p:cNvGrpSpPr/>
-        <p:nvPr/>
-      </p:nvGrpSpPr>
-      <p:grpSpPr>
-        <a:xfrm>
-          <a:off x="0" y="0"/>
-          <a:ext cx="0" cy="0"/>
-          <a:chOff x="0" y="0"/>
-          <a:chExt cx="0" cy="0"/>
-        </a:xfrm>
-      </p:grpSpPr>
-      <p:sp>
-        <p:nvSpPr>
-          <p:cNvPr id="2" name="Title 1"/>
-          <p:cNvSpPr>
-            <a:spLocks noGrp="1"/>
-          </p:cNvSpPr>
-          <p:nvPr>
-            <p:ph type="title"/>
-          </p:nvPr>
-        </p:nvSpPr>
-        <p:spPr/>
-        <p:txBody>
-          <a:bodyPr/>
-          <a:lstStyle/>
-          <a:p>
-            <a:r>
-              <a:rPr lang="en-US" dirty="0" smtClean="0"/>
-              <a:t>Classification</a:t>
-            </a:r>
-            <a:endParaRPr lang="en-US" dirty="0"/>
-          </a:p>
-        </p:txBody>
-      </p:sp>
-      <p:sp>
-        <p:nvSpPr>
-          <p:cNvPr id="3" name="Content Placeholder 2"/>
-          <p:cNvSpPr>
-            <a:spLocks noGrp="1"/>
-          </p:cNvSpPr>
-          <p:nvPr>
-            <p:ph idx="1"/>
-          </p:nvPr>
-        </p:nvSpPr>
-        <p:spPr/>
-        <p:txBody>
-          <a:bodyPr/>
-          <a:lstStyle/>
-          <a:p>
-            <a:endParaRPr lang="en-US" dirty="0"/>
-          </a:p>
-        </p:txBody>
-      </p:sp>
-    </p:spTree>
-    <p:extLst>
-      <p:ext uri="{BB962C8B-B14F-4D97-AF65-F5344CB8AC3E}">
-        <p14:creationId xmlns:p14="http://schemas.microsoft.com/office/powerpoint/2010/main" val="951282186"/>
-      </p:ext>
-    </p:extLst>
-  </p:cSld>
-  <p:clrMapOvr>
-    <a:masterClrMapping/>
-  </p:clrMapOvr>
-</p:sld>
-</file>
-
-<file path=ppt/slides/slide11.xml><?xml version="1.0" encoding="utf-8"?>
-<p:sld xmlns:a="http://schemas.openxmlformats.org/drawingml/2006/main" xmlns:r="http://schemas.openxmlformats.org/officeDocument/2006/relationships" xmlns:p="http://schemas.openxmlformats.org/presentationml/2006/main">
-  <p:cSld>
-    <p:spTree>
-      <p:nvGrpSpPr>
-        <p:cNvPr id="1" name=""/>
-        <p:cNvGrpSpPr/>
-        <p:nvPr/>
-      </p:nvGrpSpPr>
-      <p:grpSpPr>
-        <a:xfrm>
-          <a:off x="0" y="0"/>
-          <a:ext cx="0" cy="0"/>
-          <a:chOff x="0" y="0"/>
-          <a:chExt cx="0" cy="0"/>
-        </a:xfrm>
-      </p:grpSpPr>
-      <p:sp>
-        <p:nvSpPr>
-          <p:cNvPr id="2" name="Title 1"/>
-          <p:cNvSpPr>
-            <a:spLocks noGrp="1"/>
-          </p:cNvSpPr>
-          <p:nvPr>
-            <p:ph type="title"/>
-          </p:nvPr>
-        </p:nvSpPr>
-        <p:spPr/>
-        <p:txBody>
-          <a:bodyPr/>
-          <a:lstStyle/>
-          <a:p>
-            <a:r>
-              <a:rPr lang="en-US" dirty="0" smtClean="0"/>
-              <a:t>Classification</a:t>
-            </a:r>
-            <a:endParaRPr lang="en-US" dirty="0"/>
-          </a:p>
-        </p:txBody>
-      </p:sp>
-      <p:sp>
-        <p:nvSpPr>
-          <p:cNvPr id="3" name="Content Placeholder 2"/>
-          <p:cNvSpPr>
-            <a:spLocks noGrp="1"/>
-          </p:cNvSpPr>
-          <p:nvPr>
-            <p:ph idx="1"/>
-          </p:nvPr>
-        </p:nvSpPr>
-        <p:spPr>
-          <a:xfrm>
-            <a:off x="457200" y="5486400"/>
-            <a:ext cx="8229600" cy="990600"/>
-          </a:xfrm>
-        </p:spPr>
-        <p:txBody>
-          <a:bodyPr/>
-          <a:lstStyle/>
-          <a:p>
-            <a:pPr marL="0" marR="0" lvl="0" indent="0" defTabSz="914400" eaLnBrk="1" fontAlgn="auto" latinLnBrk="0" hangingPunct="1">
-              <a:lnSpc>
-                <a:spcPct val="100000"/>
-              </a:lnSpc>
-              <a:spcBef>
-                <a:spcPts val="0"/>
-              </a:spcBef>
-              <a:spcAft>
-                <a:spcPts val="0"/>
-              </a:spcAft>
-              <a:buClrTx/>
-              <a:buSzTx/>
-              <a:buFontTx/>
-              <a:buNone/>
-              <a:tabLst/>
-              <a:defRPr/>
-            </a:pPr>
-            <a:r>
-              <a:rPr lang="en-US" dirty="0" smtClean="0"/>
-              <a:t>Attractiveness and funniness always matter</a:t>
-            </a:r>
-          </a:p>
-          <a:p>
-            <a:pPr marL="0" marR="0" lvl="0" indent="0" defTabSz="914400" eaLnBrk="1" fontAlgn="auto" latinLnBrk="0" hangingPunct="1">
-              <a:lnSpc>
-                <a:spcPct val="100000"/>
-              </a:lnSpc>
-              <a:spcBef>
-                <a:spcPts val="0"/>
-              </a:spcBef>
-              <a:spcAft>
-                <a:spcPts val="0"/>
-              </a:spcAft>
-              <a:buClrTx/>
-              <a:buSzTx/>
-              <a:buFontTx/>
-              <a:buNone/>
-              <a:tabLst/>
-              <a:defRPr/>
-            </a:pPr>
-            <a:r>
-              <a:rPr lang="en-US" dirty="0" smtClean="0"/>
-              <a:t>Field and sincerity matter when you are attractive </a:t>
-            </a:r>
-            <a:endParaRPr lang="en-US" dirty="0"/>
-          </a:p>
-        </p:txBody>
-      </p:sp>
-      <p:pic>
-        <p:nvPicPr>
-          <p:cNvPr id="4" name="Picture 3"/>
-          <p:cNvPicPr>
-            <a:picLocks noChangeAspect="1"/>
-          </p:cNvPicPr>
-          <p:nvPr/>
-        </p:nvPicPr>
-        <p:blipFill>
-          <a:blip r:embed="rId2"/>
-          <a:stretch>
-            <a:fillRect/>
-          </a:stretch>
-        </p:blipFill>
-        <p:spPr>
-          <a:xfrm>
-            <a:off x="507319" y="1661867"/>
-            <a:ext cx="8199120" cy="3886200"/>
-          </a:xfrm>
-          <a:prstGeom prst="rect">
-            <a:avLst/>
-          </a:prstGeom>
-        </p:spPr>
-      </p:pic>
-    </p:spTree>
-    <p:extLst>
-      <p:ext uri="{BB962C8B-B14F-4D97-AF65-F5344CB8AC3E}">
-        <p14:creationId xmlns:p14="http://schemas.microsoft.com/office/powerpoint/2010/main" val="1191810939"/>
-      </p:ext>
-    </p:extLst>
-  </p:cSld>
-  <p:clrMapOvr>
-    <a:masterClrMapping/>
-  </p:clrMapOvr>
-</p:sld>
-</file>
-
-<file path=ppt/slides/slide12.xml><?xml version="1.0" encoding="utf-8"?>
-<p:sld xmlns:a="http://schemas.openxmlformats.org/drawingml/2006/main" xmlns:r="http://schemas.openxmlformats.org/officeDocument/2006/relationships" xmlns:p="http://schemas.openxmlformats.org/presentationml/2006/main">
-  <p:cSld>
-    <p:spTree>
-      <p:nvGrpSpPr>
-        <p:cNvPr id="1" name=""/>
-        <p:cNvGrpSpPr/>
-        <p:nvPr/>
-      </p:nvGrpSpPr>
-      <p:grpSpPr>
-        <a:xfrm>
-          <a:off x="0" y="0"/>
-          <a:ext cx="0" cy="0"/>
-          <a:chOff x="0" y="0"/>
-          <a:chExt cx="0" cy="0"/>
-        </a:xfrm>
-      </p:grpSpPr>
-      <p:sp>
-        <p:nvSpPr>
-          <p:cNvPr id="2" name="Title 1"/>
-          <p:cNvSpPr>
-            <a:spLocks noGrp="1"/>
-          </p:cNvSpPr>
-          <p:nvPr>
-            <p:ph type="title"/>
-          </p:nvPr>
-        </p:nvSpPr>
-        <p:spPr/>
-        <p:txBody>
-          <a:bodyPr/>
-          <a:lstStyle/>
-          <a:p>
-            <a:r>
-              <a:rPr lang="en-US" dirty="0" smtClean="0"/>
-              <a:t>Conclusion</a:t>
-            </a:r>
-            <a:endParaRPr lang="en-US" dirty="0"/>
-          </a:p>
-        </p:txBody>
-      </p:sp>
-      <p:sp>
-        <p:nvSpPr>
-          <p:cNvPr id="3" name="Content Placeholder 2"/>
-          <p:cNvSpPr>
-            <a:spLocks noGrp="1"/>
-          </p:cNvSpPr>
-          <p:nvPr>
-            <p:ph idx="1"/>
-          </p:nvPr>
-        </p:nvSpPr>
-        <p:spPr/>
-        <p:txBody>
-          <a:bodyPr/>
-          <a:lstStyle/>
-          <a:p>
-            <a:r>
-              <a:rPr lang="en-US" dirty="0" smtClean="0"/>
-              <a:t>Further Study:</a:t>
-            </a:r>
-          </a:p>
-          <a:p>
-            <a:pPr lvl="1"/>
-            <a:r>
-              <a:rPr lang="en-US" dirty="0" smtClean="0"/>
-              <a:t>Correlations between ratings and other attributes</a:t>
-            </a:r>
-          </a:p>
-          <a:p>
-            <a:pPr lvl="1"/>
-            <a:r>
-              <a:rPr lang="en-US" dirty="0" smtClean="0"/>
-              <a:t>Include education and income measurement </a:t>
-            </a:r>
-          </a:p>
-          <a:p>
-            <a:pPr lvl="1"/>
-            <a:endParaRPr lang="en-US" dirty="0" smtClean="0"/>
-          </a:p>
-        </p:txBody>
-      </p:sp>
-    </p:spTree>
-    <p:extLst>
-      <p:ext uri="{BB962C8B-B14F-4D97-AF65-F5344CB8AC3E}">
-        <p14:creationId xmlns:p14="http://schemas.microsoft.com/office/powerpoint/2010/main" val="2465731266"/>
-      </p:ext>
-    </p:extLst>
-  </p:cSld>
-  <p:clrMapOvr>
-    <a:masterClrMapping/>
-  </p:clrMapOvr>
-</p:sld>
-</file>
-
 <file path=ppt/slides/slide2.xml><?xml version="1.0" encoding="utf-8"?>
 <p:sld xmlns:a="http://schemas.openxmlformats.org/drawingml/2006/main" xmlns:r="http://schemas.openxmlformats.org/officeDocument/2006/relationships" xmlns:p="http://schemas.openxmlformats.org/presentationml/2006/main">
   <p:cSld>
@@ -4361,34 +4057,40 @@
           <a:p>
             <a:r>
               <a:rPr lang="en-US" dirty="0" smtClean="0"/>
-              <a:t>The objective of this study was to find what makes females decide yes to a male</a:t>
-            </a:r>
-          </a:p>
-          <a:p>
-            <a:r>
-              <a:rPr lang="en-US" dirty="0" smtClean="0"/>
-              <a:t>Data given was from </a:t>
-            </a:r>
-            <a:r>
-              <a:rPr lang="en-US" dirty="0" err="1" smtClean="0"/>
-              <a:t>Kaggle</a:t>
-            </a:r>
-            <a:r>
-              <a:rPr lang="en-US" dirty="0" smtClean="0"/>
-              <a:t> (Anna Montoya) Speed Dating Experiment</a:t>
+              <a:t>47% of American adult males over age 18 are single</a:t>
             </a:r>
           </a:p>
           <a:p>
             <a:pPr lvl="1"/>
             <a:r>
               <a:rPr lang="en-US" dirty="0" smtClean="0"/>
-              <a:t>We wish to give insight to males on how to get the most dates out of speed dating</a:t>
-            </a:r>
-          </a:p>
-          <a:p>
-            <a:r>
-              <a:rPr lang="en-US" dirty="0" smtClean="0"/>
-              <a:t>Our findings show: </a:t>
+              <a:t>Compared to men that speed date, women select half as many partners	</a:t>
+            </a:r>
+            <a:endParaRPr lang="en-US" dirty="0"/>
+          </a:p>
+          <a:p>
+            <a:r>
+              <a:rPr lang="en-US" dirty="0" smtClean="0"/>
+              <a:t>Overall Goal: The </a:t>
+            </a:r>
+            <a:r>
+              <a:rPr lang="en-US" dirty="0" smtClean="0"/>
+              <a:t>objective of this study was to find what makes females decide yes to a </a:t>
+            </a:r>
+            <a:r>
+              <a:rPr lang="en-US" dirty="0" smtClean="0"/>
+              <a:t>male</a:t>
+            </a:r>
+            <a:endParaRPr lang="en-US" dirty="0" smtClean="0"/>
+          </a:p>
+          <a:p>
+            <a:r>
+              <a:rPr lang="en-US" dirty="0" smtClean="0"/>
+              <a:t>Our </a:t>
+            </a:r>
+            <a:r>
+              <a:rPr lang="en-US" dirty="0" smtClean="0"/>
+              <a:t>findings show: </a:t>
             </a:r>
           </a:p>
           <a:p>
@@ -4451,7 +4153,7 @@
           <a:p>
             <a:r>
               <a:rPr lang="en-US" dirty="0" smtClean="0"/>
-              <a:t>Assumptions</a:t>
+              <a:t>Data Cleaning</a:t>
             </a:r>
             <a:endParaRPr lang="en-US" dirty="0"/>
           </a:p>
@@ -4473,57 +4175,176 @@
           <a:lstStyle/>
           <a:p>
             <a:r>
+              <a:rPr lang="en-US" dirty="0" smtClean="0"/>
+              <a:t>Predictors: Used men’s characteristics, events characteristics, and ratings for men</a:t>
+            </a:r>
+          </a:p>
+          <a:p>
+            <a:r>
+              <a:rPr lang="en-US" dirty="0" smtClean="0"/>
+              <a:t>Classifier: Whether women partners said yes or no (</a:t>
+            </a:r>
+            <a:r>
               <a:rPr lang="en-US" dirty="0" err="1" smtClean="0"/>
-              <a:t>Dec_o</a:t>
-            </a:r>
-            <a:r>
-              <a:rPr lang="en-US" dirty="0" smtClean="0"/>
-              <a:t> indicates correctly whether or not the female partner says yes or no</a:t>
-            </a:r>
-          </a:p>
-          <a:p>
+              <a:t>dec_o</a:t>
+            </a:r>
+            <a:r>
+              <a:rPr lang="en-US" dirty="0" smtClean="0"/>
+              <a:t>)</a:t>
+            </a:r>
+          </a:p>
+          <a:p>
+            <a:r>
+              <a:rPr lang="en-US" dirty="0" smtClean="0"/>
+              <a:t>Imputation</a:t>
+            </a:r>
+            <a:r>
+              <a:rPr lang="en-US" dirty="0" smtClean="0"/>
+              <a:t>:</a:t>
+            </a:r>
+          </a:p>
+          <a:p>
+            <a:pPr lvl="1"/>
+            <a:r>
+              <a:rPr lang="en-US" dirty="0" smtClean="0"/>
+              <a:t>If N/A rating </a:t>
+            </a:r>
+            <a:r>
+              <a:rPr lang="en-US" dirty="0" smtClean="0"/>
+              <a:t>for </a:t>
+            </a:r>
+            <a:r>
+              <a:rPr lang="en-US" dirty="0" smtClean="0"/>
+              <a:t>attributes </a:t>
+            </a:r>
             <a:r>
               <a:rPr lang="en-US" dirty="0" err="1" smtClean="0"/>
-              <a:t>Field_cd</a:t>
-            </a:r>
-            <a:r>
-              <a:rPr lang="en-US" dirty="0" smtClean="0"/>
-              <a:t> maps to the correct field</a:t>
-            </a:r>
-          </a:p>
-          <a:p>
-            <a:r>
-              <a:rPr lang="en-US" dirty="0" smtClean="0"/>
-              <a:t>Focus on men’s attributes only</a:t>
-            </a:r>
+              <a:t>attr_o</a:t>
+            </a:r>
+            <a:r>
+              <a:rPr lang="en-US" dirty="0" smtClean="0"/>
+              <a:t>, </a:t>
+            </a:r>
+            <a:r>
+              <a:rPr lang="en-US" dirty="0" err="1" smtClean="0"/>
+              <a:t>sinc_o</a:t>
+            </a:r>
+            <a:r>
+              <a:rPr lang="en-US" dirty="0" smtClean="0"/>
+              <a:t>, </a:t>
+            </a:r>
+            <a:r>
+              <a:rPr lang="en-US" dirty="0" err="1" smtClean="0"/>
+              <a:t>intel_o</a:t>
+            </a:r>
+            <a:r>
+              <a:rPr lang="en-US" dirty="0" smtClean="0"/>
+              <a:t>, </a:t>
+            </a:r>
+            <a:r>
+              <a:rPr lang="en-US" dirty="0" err="1" smtClean="0"/>
+              <a:t>fun_o</a:t>
+            </a:r>
+            <a:r>
+              <a:rPr lang="en-US" dirty="0" smtClean="0"/>
+              <a:t>, </a:t>
+            </a:r>
+            <a:r>
+              <a:rPr lang="en-US" dirty="0" err="1" smtClean="0"/>
+              <a:t>amb_o</a:t>
+            </a:r>
+            <a:r>
+              <a:rPr lang="en-US" dirty="0" smtClean="0"/>
+              <a:t> </a:t>
+            </a:r>
+            <a:br>
+              <a:rPr lang="en-US" dirty="0" smtClean="0"/>
+            </a:br>
+            <a:r>
+              <a:rPr lang="en-US" dirty="0" smtClean="0"/>
+              <a:t>use </a:t>
+            </a:r>
+            <a:r>
+              <a:rPr lang="en-US" dirty="0" smtClean="0"/>
+              <a:t>mean score of the </a:t>
+            </a:r>
+            <a:r>
+              <a:rPr lang="en-US" dirty="0" err="1" smtClean="0"/>
+              <a:t>iid</a:t>
+            </a:r>
+            <a:endParaRPr lang="en-US" dirty="0"/>
           </a:p>
           <a:p>
             <a:pPr lvl="1"/>
             <a:r>
               <a:rPr lang="en-US" dirty="0" smtClean="0"/>
-              <a:t>Only things a man can control</a:t>
-            </a:r>
-          </a:p>
-          <a:p>
-            <a:r>
-              <a:rPr lang="en-US" dirty="0" smtClean="0"/>
-              <a:t>Not enough information to impute </a:t>
+              <a:t>If N/A </a:t>
+            </a:r>
+            <a:r>
+              <a:rPr lang="en-US" dirty="0" smtClean="0"/>
+              <a:t>coding for </a:t>
             </a:r>
             <a:r>
               <a:rPr lang="en-US" dirty="0" err="1" smtClean="0"/>
-              <a:t>mn_sat</a:t>
-            </a:r>
-            <a:r>
-              <a:rPr lang="en-US" dirty="0" smtClean="0"/>
-              <a:t>, tuition, or income</a:t>
-            </a:r>
+              <a:t>field_cd</a:t>
+            </a:r>
+            <a:r>
+              <a:rPr lang="en-US" dirty="0" smtClean="0"/>
+              <a:t> or </a:t>
+            </a:r>
+            <a:r>
+              <a:rPr lang="en-US" dirty="0" err="1" smtClean="0"/>
+              <a:t>career_c</a:t>
+            </a:r>
+            <a:r>
+              <a:rPr lang="en-US" dirty="0" smtClean="0"/>
+              <a:t> use </a:t>
+            </a:r>
+            <a:r>
+              <a:rPr lang="en-US" dirty="0"/>
+              <a:t>c</a:t>
+            </a:r>
+            <a:r>
+              <a:rPr lang="en-US" dirty="0" smtClean="0"/>
+              <a:t>ode value similar </a:t>
+            </a:r>
+            <a:r>
+              <a:rPr lang="en-US" dirty="0" smtClean="0"/>
+              <a:t>corresponding careers and fields</a:t>
+            </a:r>
+          </a:p>
+          <a:p>
+            <a:pPr lvl="1"/>
+            <a:r>
+              <a:rPr lang="en-US" dirty="0" smtClean="0"/>
+              <a:t>Remove rows where no age or date preference values per </a:t>
+            </a:r>
+            <a:r>
+              <a:rPr lang="en-US" dirty="0" err="1" smtClean="0"/>
+              <a:t>iid</a:t>
+            </a:r>
+            <a:r>
+              <a:rPr lang="en-US" dirty="0" smtClean="0"/>
+              <a:t> </a:t>
+            </a:r>
+          </a:p>
+          <a:p>
+            <a:pPr lvl="1"/>
+            <a:r>
+              <a:rPr lang="en-US" dirty="0" smtClean="0"/>
+              <a:t>Change met values to either 1 (met previously) or 2 (have not previously)</a:t>
+            </a:r>
+          </a:p>
+          <a:p>
+            <a:pPr lvl="1"/>
+            <a:endParaRPr lang="en-US" dirty="0"/>
           </a:p>
         </p:txBody>
       </p:sp>
     </p:spTree>
     <p:extLst>
       <p:ext uri="{BB962C8B-B14F-4D97-AF65-F5344CB8AC3E}">
-        <p14:creationId xmlns:p14="http://schemas.microsoft.com/office/powerpoint/2010/main" val="3681200871"/>
+        <p14:creationId xmlns:p14="http://schemas.microsoft.com/office/powerpoint/2010/main" val="3931017756"/>
       </p:ext>
     </p:extLst>
   </p:cSld>
@@ -4567,7 +4388,7 @@
           <a:p>
             <a:r>
               <a:rPr lang="en-US" dirty="0" smtClean="0"/>
-              <a:t>Data Cleaning</a:t>
+              <a:t>Tree Model</a:t>
             </a:r>
             <a:endParaRPr lang="en-US" dirty="0"/>
           </a:p>
@@ -4590,127 +4411,33 @@
           <a:p>
             <a:r>
               <a:rPr lang="en-US" dirty="0" smtClean="0"/>
-              <a:t>The attributes used are </a:t>
-            </a:r>
-          </a:p>
-          <a:p>
-            <a:r>
-              <a:rPr lang="en-US" dirty="0" smtClean="0"/>
-              <a:t>Imputation:</a:t>
+              <a:t>Feature Selection:</a:t>
             </a:r>
           </a:p>
           <a:p>
             <a:pPr lvl="1"/>
             <a:r>
               <a:rPr lang="en-US" dirty="0" smtClean="0"/>
-              <a:t>For </a:t>
+              <a:t>Select following variables: </a:t>
+            </a:r>
+          </a:p>
+          <a:p>
+            <a:r>
+              <a:rPr lang="en-US" dirty="0" smtClean="0"/>
+              <a:t>Used C5.0 tree and </a:t>
             </a:r>
             <a:r>
               <a:rPr lang="en-US" dirty="0" err="1" smtClean="0"/>
-              <a:t>na</a:t>
-            </a:r>
-            <a:r>
-              <a:rPr lang="en-US" dirty="0" smtClean="0"/>
-              <a:t> rating for a single attribute value (</a:t>
-            </a:r>
-            <a:r>
-              <a:rPr lang="en-US" dirty="0" err="1" smtClean="0"/>
-              <a:t>attr_o</a:t>
-            </a:r>
-            <a:r>
-              <a:rPr lang="en-US" dirty="0" smtClean="0"/>
-              <a:t>, </a:t>
-            </a:r>
-            <a:r>
-              <a:rPr lang="en-US" dirty="0" err="1" smtClean="0"/>
-              <a:t>sinc_o</a:t>
-            </a:r>
-            <a:r>
-              <a:rPr lang="en-US" dirty="0" smtClean="0"/>
-              <a:t>, </a:t>
-            </a:r>
-            <a:r>
-              <a:rPr lang="en-US" dirty="0" err="1" smtClean="0"/>
-              <a:t>intel_o</a:t>
-            </a:r>
-            <a:r>
-              <a:rPr lang="en-US" dirty="0" smtClean="0"/>
-              <a:t>, </a:t>
-            </a:r>
-            <a:r>
-              <a:rPr lang="en-US" dirty="0" err="1" smtClean="0"/>
-              <a:t>fun_o</a:t>
-            </a:r>
-            <a:r>
-              <a:rPr lang="en-US" dirty="0" smtClean="0"/>
-              <a:t>, </a:t>
-            </a:r>
-            <a:r>
-              <a:rPr lang="en-US" dirty="0" err="1" smtClean="0"/>
-              <a:t>amb_o</a:t>
-            </a:r>
-            <a:r>
-              <a:rPr lang="en-US" dirty="0" smtClean="0"/>
-              <a:t>) from partners, use mean score of the </a:t>
-            </a:r>
-            <a:r>
-              <a:rPr lang="en-US" dirty="0" err="1" smtClean="0"/>
-              <a:t>iid</a:t>
-            </a:r>
-            <a:endParaRPr lang="en-US" dirty="0"/>
+              <a:t>CTree</a:t>
+            </a:r>
+            <a:endParaRPr lang="en-US" dirty="0" smtClean="0"/>
           </a:p>
           <a:p>
             <a:pPr lvl="1"/>
             <a:r>
               <a:rPr lang="en-US" dirty="0" smtClean="0"/>
-              <a:t>Na coding for </a:t>
-            </a:r>
-            <a:r>
-              <a:rPr lang="en-US" dirty="0" err="1" smtClean="0"/>
-              <a:t>field_cd</a:t>
-            </a:r>
-            <a:r>
-              <a:rPr lang="en-US" dirty="0" smtClean="0"/>
-              <a:t> or </a:t>
-            </a:r>
-            <a:r>
-              <a:rPr lang="en-US" dirty="0" err="1" smtClean="0"/>
-              <a:t>career_c</a:t>
-            </a:r>
-            <a:r>
-              <a:rPr lang="en-US" dirty="0" smtClean="0"/>
-              <a:t>, code to value of similar corresponding careers and fields</a:t>
-            </a:r>
-          </a:p>
-          <a:p>
-            <a:pPr lvl="1"/>
-            <a:r>
-              <a:rPr lang="en-US" dirty="0" smtClean="0"/>
-              <a:t>Remove rows where no age or date preference values per </a:t>
-            </a:r>
-            <a:r>
-              <a:rPr lang="en-US" dirty="0" err="1" smtClean="0"/>
-              <a:t>iid</a:t>
-            </a:r>
-            <a:r>
-              <a:rPr lang="en-US" dirty="0" smtClean="0"/>
-              <a:t> </a:t>
-            </a:r>
-          </a:p>
-          <a:p>
-            <a:pPr lvl="1"/>
-            <a:r>
-              <a:rPr lang="en-US" dirty="0" smtClean="0"/>
-              <a:t>Change met values to either 1 (met previously) or 2 (have </a:t>
-            </a:r>
-            <a:r>
-              <a:rPr lang="en-US" smtClean="0"/>
-              <a:t>not previously)</a:t>
-            </a:r>
-            <a:endParaRPr lang="en-US" dirty="0" smtClean="0"/>
-          </a:p>
-          <a:p>
-            <a:pPr lvl="1"/>
+              <a:t>C5.0 has more branches</a:t>
+            </a:r>
             <a:endParaRPr lang="en-US" dirty="0"/>
           </a:p>
         </p:txBody>
@@ -4718,7 +4445,7 @@
     </p:spTree>
     <p:extLst>
       <p:ext uri="{BB962C8B-B14F-4D97-AF65-F5344CB8AC3E}">
-        <p14:creationId xmlns:p14="http://schemas.microsoft.com/office/powerpoint/2010/main" val="3931017756"/>
+        <p14:creationId xmlns:p14="http://schemas.microsoft.com/office/powerpoint/2010/main" val="3627887112"/>
       </p:ext>
     </p:extLst>
   </p:cSld>
@@ -4757,14 +4484,20 @@
         </p:nvSpPr>
         <p:spPr/>
         <p:txBody>
-          <a:bodyPr>
-            <a:normAutofit/>
-          </a:bodyPr>
-          <a:lstStyle/>
-          <a:p>
-            <a:r>
-              <a:rPr lang="en-US" dirty="0" smtClean="0"/>
-              <a:t>Daters reasons they go change</a:t>
+          <a:bodyPr/>
+          <a:lstStyle/>
+          <a:p>
+            <a:r>
+              <a:rPr lang="en-US" dirty="0" smtClean="0"/>
+              <a:t>Classification (</a:t>
+            </a:r>
+            <a:r>
+              <a:rPr lang="en-US" dirty="0" err="1" smtClean="0"/>
+              <a:t>CTree</a:t>
+            </a:r>
+            <a:r>
+              <a:rPr lang="en-US" dirty="0" smtClean="0"/>
+              <a:t>)</a:t>
             </a:r>
             <a:endParaRPr lang="en-US" dirty="0"/>
           </a:p>
@@ -4780,21 +4513,59 @@
             <p:ph idx="1"/>
           </p:nvPr>
         </p:nvSpPr>
-        <p:spPr/>
-        <p:txBody>
-          <a:bodyPr/>
-          <a:lstStyle/>
-          <a:p>
-            <a:r>
-              <a:rPr lang="en-US" dirty="0" smtClean="0"/>
-              <a:t>We see an increase in goal 4 which is “Looking for a serious relationship” as age increases</a:t>
-            </a:r>
-          </a:p>
-          <a:p>
-            <a:pPr lvl="1"/>
-            <a:r>
-              <a:rPr lang="en-US" dirty="0" smtClean="0"/>
-              <a:t>Bins created based on quantiles of boxplot</a:t>
+        <p:spPr>
+          <a:xfrm>
+            <a:off x="457200" y="5486400"/>
+            <a:ext cx="8229600" cy="990600"/>
+          </a:xfrm>
+        </p:spPr>
+        <p:txBody>
+          <a:bodyPr/>
+          <a:lstStyle/>
+          <a:p>
+            <a:pPr marL="0" marR="0" lvl="0" indent="0" defTabSz="914400" eaLnBrk="1" fontAlgn="auto" latinLnBrk="0" hangingPunct="1">
+              <a:lnSpc>
+                <a:spcPct val="100000"/>
+              </a:lnSpc>
+              <a:spcBef>
+                <a:spcPts val="0"/>
+              </a:spcBef>
+              <a:spcAft>
+                <a:spcPts val="0"/>
+              </a:spcAft>
+              <a:buClrTx/>
+              <a:buSzTx/>
+              <a:buFontTx/>
+              <a:buNone/>
+              <a:tabLst/>
+              <a:defRPr/>
+            </a:pPr>
+            <a:r>
+              <a:rPr lang="en-US" dirty="0" smtClean="0"/>
+              <a:t>Attractiveness and funniness always matter</a:t>
+            </a:r>
+          </a:p>
+          <a:p>
+            <a:pPr marL="0" marR="0" lvl="0" indent="0" defTabSz="914400" eaLnBrk="1" fontAlgn="auto" latinLnBrk="0" hangingPunct="1">
+              <a:lnSpc>
+                <a:spcPct val="100000"/>
+              </a:lnSpc>
+              <a:spcBef>
+                <a:spcPts val="0"/>
+              </a:spcBef>
+              <a:spcAft>
+                <a:spcPts val="0"/>
+              </a:spcAft>
+              <a:buClrTx/>
+              <a:buSzTx/>
+              <a:buFontTx/>
+              <a:buNone/>
+              <a:tabLst/>
+              <a:defRPr/>
+            </a:pPr>
+            <a:r>
+              <a:rPr lang="en-US" dirty="0" smtClean="0"/>
+              <a:t>Field and sincerity matter when you are attractive </a:t>
             </a:r>
             <a:endParaRPr lang="en-US" dirty="0"/>
           </a:p>
@@ -4809,21 +4580,15 @@
           <p:nvPr/>
         </p:nvPicPr>
         <p:blipFill>
-          <a:blip r:embed="rId3">
-            <a:extLst>
-              <a:ext uri="{28A0092B-C50C-407E-A947-70E740481C1C}">
-                <a14:useLocalDpi xmlns:a14="http://schemas.microsoft.com/office/drawing/2010/main" val="0"/>
-              </a:ext>
-            </a:extLst>
-          </a:blip>
+          <a:blip r:embed="rId2"/>
           <a:stretch>
             <a:fillRect/>
           </a:stretch>
         </p:blipFill>
         <p:spPr>
           <a:xfrm>
-            <a:off x="1905000" y="2837889"/>
-            <a:ext cx="5410955" cy="4020111"/>
+            <a:off x="487680" y="1447800"/>
+            <a:ext cx="8199120" cy="3886200"/>
           </a:xfrm>
           <a:prstGeom prst="rect">
             <a:avLst/>
@@ -4833,7 +4598,7 @@
     </p:spTree>
     <p:extLst>
       <p:ext uri="{BB962C8B-B14F-4D97-AF65-F5344CB8AC3E}">
-        <p14:creationId xmlns:p14="http://schemas.microsoft.com/office/powerpoint/2010/main" val="718003720"/>
+        <p14:creationId xmlns:p14="http://schemas.microsoft.com/office/powerpoint/2010/main" val="1191810939"/>
       </p:ext>
     </p:extLst>
   </p:cSld>
@@ -4875,17 +4640,13 @@
           <a:bodyPr/>
           <a:lstStyle/>
           <a:p>
-            <a:r>
-              <a:rPr lang="en-US" dirty="0" smtClean="0"/>
-              <a:t>Ratings may be biased</a:t>
-            </a:r>
-            <a:endParaRPr lang="en-US" dirty="0"/>
-          </a:p>
-        </p:txBody>
-      </p:sp>
-      <p:sp>
-        <p:nvSpPr>
-          <p:cNvPr id="7" name="Content Placeholder 6"/>
+            <a:endParaRPr lang="en-US"/>
+          </a:p>
+        </p:txBody>
+      </p:sp>
+      <p:sp>
+        <p:nvSpPr>
+          <p:cNvPr id="3" name="Content Placeholder 2"/>
           <p:cNvSpPr>
             <a:spLocks noGrp="1"/>
           </p:cNvSpPr>
@@ -4898,52 +4659,14 @@
           <a:bodyPr/>
           <a:lstStyle/>
           <a:p>
-            <a:r>
-              <a:rPr lang="en-US" dirty="0" smtClean="0"/>
-              <a:t>Sincere, Intelligent, Funny, and Ambitious have similar distributions whereas Attractive seems more representative of the ways humans will </a:t>
-            </a:r>
-            <a:r>
-              <a:rPr lang="en-US" smtClean="0"/>
-              <a:t>rate people</a:t>
-            </a:r>
-            <a:endParaRPr lang="en-US" dirty="0"/>
-          </a:p>
-        </p:txBody>
-      </p:sp>
-      <p:pic>
-        <p:nvPicPr>
-          <p:cNvPr id="8" name="Picture 7"/>
-          <p:cNvPicPr>
-            <a:picLocks noChangeAspect="1"/>
-          </p:cNvPicPr>
-          <p:nvPr/>
-        </p:nvPicPr>
-        <p:blipFill>
-          <a:blip r:embed="rId2">
-            <a:extLst>
-              <a:ext uri="{28A0092B-C50C-407E-A947-70E740481C1C}">
-                <a14:useLocalDpi xmlns:a14="http://schemas.microsoft.com/office/drawing/2010/main" val="0"/>
-              </a:ext>
-            </a:extLst>
-          </a:blip>
-          <a:stretch>
-            <a:fillRect/>
-          </a:stretch>
-        </p:blipFill>
-        <p:spPr>
-          <a:xfrm>
-            <a:off x="2133600" y="2837889"/>
-            <a:ext cx="5410955" cy="4020111"/>
-          </a:xfrm>
-          <a:prstGeom prst="rect">
-            <a:avLst/>
-          </a:prstGeom>
-        </p:spPr>
-      </p:pic>
+            <a:endParaRPr lang="en-US"/>
+          </a:p>
+        </p:txBody>
+      </p:sp>
     </p:spTree>
     <p:extLst>
       <p:ext uri="{BB962C8B-B14F-4D97-AF65-F5344CB8AC3E}">
-        <p14:creationId xmlns:p14="http://schemas.microsoft.com/office/powerpoint/2010/main" val="3876901177"/>
+        <p14:creationId xmlns:p14="http://schemas.microsoft.com/office/powerpoint/2010/main" val="1726266277"/>
       </p:ext>
     </p:extLst>
   </p:cSld>
@@ -4987,7 +4710,7 @@
           <a:p>
             <a:r>
               <a:rPr lang="en-US" dirty="0" smtClean="0"/>
-              <a:t>Sentiment Analysis</a:t>
+              <a:t>Ratings may be biased</a:t>
             </a:r>
             <a:endParaRPr lang="en-US" dirty="0"/>
           </a:p>
@@ -4995,7 +4718,7 @@
       </p:sp>
       <p:sp>
         <p:nvSpPr>
-          <p:cNvPr id="3" name="Content Placeholder 2"/>
+          <p:cNvPr id="7" name="Content Placeholder 6"/>
           <p:cNvSpPr>
             <a:spLocks noGrp="1"/>
           </p:cNvSpPr>
@@ -5010,28 +4733,100 @@
           <a:p>
             <a:r>
               <a:rPr lang="en-US" dirty="0" smtClean="0"/>
-              <a:t>No results for “Speed Dating” in either Charlottesville or Manhattan</a:t>
+              <a:t>Attractive has more normal </a:t>
+            </a:r>
+            <a:br>
+              <a:rPr lang="en-US" dirty="0" smtClean="0"/>
+            </a:br>
+            <a:r>
+              <a:rPr lang="en-US" dirty="0" smtClean="0"/>
+              <a:t>distribution</a:t>
+            </a:r>
+          </a:p>
+          <a:p>
+            <a:endParaRPr lang="en-US" dirty="0"/>
+          </a:p>
+          <a:p>
+            <a:endParaRPr lang="en-US" dirty="0" smtClean="0"/>
+          </a:p>
+          <a:p>
+            <a:endParaRPr lang="en-US" dirty="0"/>
+          </a:p>
+          <a:p>
+            <a:endParaRPr lang="en-US" dirty="0" smtClean="0"/>
+          </a:p>
+          <a:p>
+            <a:r>
+              <a:rPr lang="en-US" dirty="0" smtClean="0"/>
+              <a:t>Sentiment analysis for a related</a:t>
+            </a:r>
+            <a:br>
+              <a:rPr lang="en-US" dirty="0" smtClean="0"/>
+            </a:br>
+            <a:r>
+              <a:rPr lang="en-US" dirty="0" smtClean="0"/>
+              <a:t>word “LOVE”:</a:t>
             </a:r>
           </a:p>
           <a:p>
             <a:pPr lvl="1"/>
             <a:r>
               <a:rPr lang="en-US" dirty="0" smtClean="0"/>
-              <a:t>Word cloud for speed dating in general</a:t>
-            </a:r>
+              <a:t>People generally tweet the word</a:t>
+            </a:r>
+            <a:br>
+              <a:rPr lang="en-US" dirty="0" smtClean="0"/>
+            </a:br>
+            <a:r>
+              <a:rPr lang="en-US" dirty="0" smtClean="0"/>
+              <a:t>“LOVE” with emotion joy</a:t>
+            </a:r>
+          </a:p>
+          <a:p>
+            <a:endParaRPr lang="en-US" dirty="0"/>
           </a:p>
         </p:txBody>
       </p:sp>
       <p:pic>
         <p:nvPicPr>
-          <p:cNvPr id="1026" name="Picture 2" descr="D:\Users\Bae\Documents\School\Fall 2016\DS 4559\Project 1\4559Project1\speeddating.png"/>
+          <p:cNvPr id="8" name="Picture 7"/>
+          <p:cNvPicPr>
+            <a:picLocks noChangeAspect="1"/>
+          </p:cNvPicPr>
+          <p:nvPr/>
+        </p:nvPicPr>
+        <p:blipFill>
+          <a:blip r:embed="rId2">
+            <a:extLst>
+              <a:ext uri="{28A0092B-C50C-407E-A947-70E740481C1C}">
+                <a14:useLocalDpi xmlns:a14="http://schemas.microsoft.com/office/drawing/2010/main" val="0"/>
+              </a:ext>
+            </a:extLst>
+          </a:blip>
+          <a:stretch>
+            <a:fillRect/>
+          </a:stretch>
+        </p:blipFill>
+        <p:spPr>
+          <a:xfrm>
+            <a:off x="5257800" y="1219200"/>
+            <a:ext cx="3886200" cy="2887283"/>
+          </a:xfrm>
+          <a:prstGeom prst="rect">
+            <a:avLst/>
+          </a:prstGeom>
+        </p:spPr>
+      </p:pic>
+      <p:pic>
+        <p:nvPicPr>
+          <p:cNvPr id="5" name="Picture 2" descr="D:\Users\Bae\Documents\School\Fall 2016\DS 4559\Project 1\4559Project1\sent.png"/>
           <p:cNvPicPr>
             <a:picLocks noChangeAspect="1" noChangeArrowheads="1"/>
           </p:cNvPicPr>
           <p:nvPr/>
         </p:nvPicPr>
         <p:blipFill>
-          <a:blip r:embed="rId2">
+          <a:blip r:embed="rId3">
             <a:extLst>
               <a:ext uri="{28A0092B-C50C-407E-A947-70E740481C1C}">
                 <a14:useLocalDpi xmlns:a14="http://schemas.microsoft.com/office/drawing/2010/main" val="0"/>
@@ -5045,8 +4840,8 @@
         </p:blipFill>
         <p:spPr bwMode="auto">
           <a:xfrm>
-            <a:off x="2514600" y="2895600"/>
-            <a:ext cx="4419600" cy="3283576"/>
+            <a:off x="5243209" y="4038600"/>
+            <a:ext cx="3672191" cy="2728282"/>
           </a:xfrm>
           <a:prstGeom prst="rect">
             <a:avLst/>
@@ -5066,7 +4861,7 @@
     </p:spTree>
     <p:extLst>
       <p:ext uri="{BB962C8B-B14F-4D97-AF65-F5344CB8AC3E}">
-        <p14:creationId xmlns:p14="http://schemas.microsoft.com/office/powerpoint/2010/main" val="1059778009"/>
+        <p14:creationId xmlns:p14="http://schemas.microsoft.com/office/powerpoint/2010/main" val="3876901177"/>
       </p:ext>
     </p:extLst>
   </p:cSld>
@@ -5110,7 +4905,7 @@
           <a:p>
             <a:r>
               <a:rPr lang="en-US" dirty="0" smtClean="0"/>
-              <a:t>Love and Romance</a:t>
+              <a:t>Conclusion</a:t>
             </a:r>
             <a:endParaRPr lang="en-US" dirty="0"/>
           </a:p>
@@ -5133,453 +4928,75 @@
           <a:p>
             <a:r>
               <a:rPr lang="en-US" dirty="0" smtClean="0"/>
-              <a:t>A few word clouds for the word “Love”</a:t>
+              <a:t>Final recommendation:</a:t>
             </a:r>
           </a:p>
           <a:p>
             <a:pPr lvl="1"/>
             <a:r>
               <a:rPr lang="en-US" dirty="0" smtClean="0"/>
-              <a:t>Some unique words are seen (such</a:t>
-            </a:r>
-            <a:br>
-              <a:rPr lang="en-US" dirty="0" smtClean="0"/>
-            </a:br>
-            <a:r>
-              <a:rPr lang="en-US" dirty="0" smtClean="0"/>
-              <a:t>as </a:t>
-            </a:r>
-            <a:r>
-              <a:rPr lang="en-US" dirty="0" err="1" smtClean="0"/>
-              <a:t>allah</a:t>
-            </a:r>
-            <a:r>
-              <a:rPr lang="en-US" dirty="0"/>
-              <a:t> </a:t>
-            </a:r>
-            <a:r>
-              <a:rPr lang="en-US" dirty="0" smtClean="0"/>
-              <a:t>and disabled)</a:t>
-            </a:r>
-          </a:p>
-          <a:p>
+              <a:t>Be good looking</a:t>
+            </a:r>
+          </a:p>
+          <a:p>
+            <a:pPr lvl="1"/>
+            <a:r>
+              <a:rPr lang="en-US" dirty="0" smtClean="0"/>
+              <a:t>Be funny</a:t>
+            </a:r>
+          </a:p>
+          <a:p>
+            <a:pPr lvl="1"/>
+            <a:r>
+              <a:rPr lang="en-US" dirty="0" smtClean="0"/>
+              <a:t>Be more sincere if you are both</a:t>
+            </a:r>
             <a:endParaRPr lang="en-US" dirty="0" smtClean="0"/>
           </a:p>
           <a:p>
-            <a:endParaRPr lang="en-US" dirty="0"/>
-          </a:p>
-          <a:p>
+            <a:r>
+              <a:rPr lang="en-US" dirty="0" smtClean="0"/>
+              <a:t>Further Research:</a:t>
+            </a:r>
             <a:endParaRPr lang="en-US" dirty="0" smtClean="0"/>
           </a:p>
           <a:p>
-            <a:r>
-              <a:rPr lang="en-US" dirty="0" smtClean="0"/>
-              <a:t>We also see that many of </a:t>
-            </a:r>
-            <a:br>
-              <a:rPr lang="en-US" dirty="0" smtClean="0"/>
-            </a:br>
-            <a:r>
-              <a:rPr lang="en-US" dirty="0" smtClean="0"/>
-              <a:t>these tweets have joy as</a:t>
-            </a:r>
-            <a:br>
-              <a:rPr lang="en-US" dirty="0" smtClean="0"/>
-            </a:br>
-            <a:r>
-              <a:rPr lang="en-US" smtClean="0"/>
-              <a:t>the emotion</a:t>
-            </a:r>
-            <a:endParaRPr lang="en-US" dirty="0"/>
-          </a:p>
-          <a:p>
-            <a:pPr marL="0" indent="0">
-              <a:buNone/>
-            </a:pPr>
-            <a:r>
-              <a:rPr lang="en-US" dirty="0" smtClean="0"/>
-              <a:t/>
-            </a:r>
-            <a:br>
-              <a:rPr lang="en-US" dirty="0" smtClean="0"/>
-            </a:br>
+            <a:pPr lvl="1"/>
+            <a:r>
+              <a:rPr lang="en-US" dirty="0" smtClean="0"/>
+              <a:t>Find c</a:t>
+            </a:r>
+            <a:r>
+              <a:rPr lang="en-US" dirty="0" smtClean="0"/>
+              <a:t>orrelations </a:t>
+            </a:r>
+            <a:r>
+              <a:rPr lang="en-US" dirty="0" smtClean="0"/>
+              <a:t>between ratings and other attributes</a:t>
+            </a:r>
+          </a:p>
+          <a:p>
+            <a:pPr lvl="1"/>
+            <a:r>
+              <a:rPr lang="en-US" dirty="0" smtClean="0"/>
+              <a:t>Include education and income measurement </a:t>
+            </a:r>
             <a:endParaRPr lang="en-US" dirty="0" smtClean="0"/>
           </a:p>
-        </p:txBody>
-      </p:sp>
-      <p:pic>
-        <p:nvPicPr>
-          <p:cNvPr id="4" name="Picture 3"/>
-          <p:cNvPicPr>
-            <a:picLocks noChangeAspect="1"/>
-          </p:cNvPicPr>
-          <p:nvPr/>
-        </p:nvPicPr>
-        <p:blipFill>
-          <a:blip r:embed="rId2" cstate="print">
-            <a:extLst>
-              <a:ext uri="{28A0092B-C50C-407E-A947-70E740481C1C}">
-                <a14:useLocalDpi xmlns:a14="http://schemas.microsoft.com/office/drawing/2010/main" val="0"/>
-              </a:ext>
-            </a:extLst>
-          </a:blip>
-          <a:stretch>
-            <a:fillRect/>
-          </a:stretch>
-        </p:blipFill>
-        <p:spPr>
-          <a:xfrm>
-            <a:off x="5181599" y="2066770"/>
-            <a:ext cx="2057401" cy="1528562"/>
-          </a:xfrm>
-          <a:prstGeom prst="rect">
-            <a:avLst/>
-          </a:prstGeom>
-        </p:spPr>
-      </p:pic>
-      <p:pic>
-        <p:nvPicPr>
-          <p:cNvPr id="5" name="Picture 4"/>
-          <p:cNvPicPr>
-            <a:picLocks noChangeAspect="1"/>
-          </p:cNvPicPr>
-          <p:nvPr/>
-        </p:nvPicPr>
-        <p:blipFill>
-          <a:blip r:embed="rId3" cstate="print">
-            <a:extLst>
-              <a:ext uri="{28A0092B-C50C-407E-A947-70E740481C1C}">
-                <a14:useLocalDpi xmlns:a14="http://schemas.microsoft.com/office/drawing/2010/main" val="0"/>
-              </a:ext>
-            </a:extLst>
-          </a:blip>
-          <a:stretch>
-            <a:fillRect/>
-          </a:stretch>
-        </p:blipFill>
-        <p:spPr>
-          <a:xfrm>
-            <a:off x="7239000" y="2055208"/>
-            <a:ext cx="2057400" cy="1528561"/>
-          </a:xfrm>
-          <a:prstGeom prst="rect">
-            <a:avLst/>
-          </a:prstGeom>
-        </p:spPr>
-      </p:pic>
-      <p:sp>
-        <p:nvSpPr>
-          <p:cNvPr id="6" name="TextBox 5"/>
-          <p:cNvSpPr txBox="1"/>
-          <p:nvPr/>
-        </p:nvSpPr>
-        <p:spPr>
-          <a:xfrm>
-            <a:off x="5714999" y="3583769"/>
-            <a:ext cx="3159160" cy="307777"/>
-          </a:xfrm>
-          <a:prstGeom prst="rect">
-            <a:avLst/>
-          </a:prstGeom>
-          <a:noFill/>
-        </p:spPr>
-        <p:txBody>
-          <a:bodyPr wrap="square" rtlCol="0">
-            <a:spAutoFit/>
-          </a:bodyPr>
-          <a:lstStyle/>
-          <a:p>
-            <a:r>
-              <a:rPr lang="en-US" sz="1400" dirty="0" smtClean="0"/>
-              <a:t>Left: Charlottesville, Right: Manhattan</a:t>
-            </a:r>
-            <a:endParaRPr lang="en-US" sz="1400" dirty="0"/>
-          </a:p>
-        </p:txBody>
-      </p:sp>
-      <p:pic>
-        <p:nvPicPr>
-          <p:cNvPr id="1026" name="Picture 2" descr="D:\Users\Bae\Documents\School\Fall 2016\DS 4559\Project 1\4559Project1\sent.png"/>
-          <p:cNvPicPr>
-            <a:picLocks noChangeAspect="1" noChangeArrowheads="1"/>
-          </p:cNvPicPr>
-          <p:nvPr/>
-        </p:nvPicPr>
-        <p:blipFill>
-          <a:blip r:embed="rId4">
-            <a:extLst>
-              <a:ext uri="{28A0092B-C50C-407E-A947-70E740481C1C}">
-                <a14:useLocalDpi xmlns:a14="http://schemas.microsoft.com/office/drawing/2010/main" val="0"/>
-              </a:ext>
-            </a:extLst>
-          </a:blip>
-          <a:srcRect/>
-          <a:stretch>
-            <a:fillRect/>
-          </a:stretch>
-        </p:blipFill>
-        <p:spPr bwMode="auto">
-          <a:xfrm>
-            <a:off x="4460895" y="3962400"/>
-            <a:ext cx="3498807" cy="2599465"/>
-          </a:xfrm>
-          <a:prstGeom prst="rect">
-            <a:avLst/>
-          </a:prstGeom>
-          <a:noFill/>
-          <a:extLst>
-            <a:ext uri="{909E8E84-426E-40DD-AFC4-6F175D3DCCD1}">
-              <a14:hiddenFill xmlns:a14="http://schemas.microsoft.com/office/drawing/2010/main">
-                <a:solidFill>
-                  <a:srgbClr val="FFFFFF"/>
-                </a:solidFill>
-              </a14:hiddenFill>
-            </a:ext>
-          </a:extLst>
-        </p:spPr>
-      </p:pic>
+          <a:p>
+            <a:pPr lvl="1"/>
+            <a:endParaRPr lang="en-US" dirty="0" smtClean="0"/>
+          </a:p>
+          <a:p>
+            <a:pPr lvl="1"/>
+            <a:endParaRPr lang="en-US" dirty="0" smtClean="0"/>
+          </a:p>
+        </p:txBody>
+      </p:sp>
     </p:spTree>
     <p:extLst>
       <p:ext uri="{BB962C8B-B14F-4D97-AF65-F5344CB8AC3E}">
-        <p14:creationId xmlns:p14="http://schemas.microsoft.com/office/powerpoint/2010/main" val="2887919533"/>
-      </p:ext>
-    </p:extLst>
-  </p:cSld>
-  <p:clrMapOvr>
-    <a:masterClrMapping/>
-  </p:clrMapOvr>
-</p:sld>
-</file>
-
-<file path=ppt/slides/slide9.xml><?xml version="1.0" encoding="utf-8"?>
-<p:sld xmlns:a="http://schemas.openxmlformats.org/drawingml/2006/main" xmlns:r="http://schemas.openxmlformats.org/officeDocument/2006/relationships" xmlns:p="http://schemas.openxmlformats.org/presentationml/2006/main">
-  <p:cSld>
-    <p:spTree>
-      <p:nvGrpSpPr>
-        <p:cNvPr id="1" name=""/>
-        <p:cNvGrpSpPr/>
-        <p:nvPr/>
-      </p:nvGrpSpPr>
-      <p:grpSpPr>
-        <a:xfrm>
-          <a:off x="0" y="0"/>
-          <a:ext cx="0" cy="0"/>
-          <a:chOff x="0" y="0"/>
-          <a:chExt cx="0" cy="0"/>
-        </a:xfrm>
-      </p:grpSpPr>
-      <p:sp>
-        <p:nvSpPr>
-          <p:cNvPr id="2" name="Title 1"/>
-          <p:cNvSpPr>
-            <a:spLocks noGrp="1"/>
-          </p:cNvSpPr>
-          <p:nvPr>
-            <p:ph type="title"/>
-          </p:nvPr>
-        </p:nvSpPr>
-        <p:spPr/>
-        <p:txBody>
-          <a:bodyPr/>
-          <a:lstStyle/>
-          <a:p>
-            <a:endParaRPr lang="en-US"/>
-          </a:p>
-        </p:txBody>
-      </p:sp>
-      <p:sp>
-        <p:nvSpPr>
-          <p:cNvPr id="3" name="Content Placeholder 2"/>
-          <p:cNvSpPr>
-            <a:spLocks noGrp="1"/>
-          </p:cNvSpPr>
-          <p:nvPr>
-            <p:ph idx="1"/>
-          </p:nvPr>
-        </p:nvSpPr>
-        <p:spPr/>
-        <p:txBody>
-          <a:bodyPr/>
-          <a:lstStyle/>
-          <a:p>
-            <a:r>
-              <a:rPr lang="en-US" dirty="0"/>
-              <a:t>A few word clouds for the word “Romance”</a:t>
-            </a:r>
-          </a:p>
-          <a:p>
-            <a:pPr lvl="1"/>
-            <a:r>
-              <a:rPr lang="en-US" dirty="0"/>
-              <a:t>Everywhere is focused more on</a:t>
-            </a:r>
-            <a:br>
-              <a:rPr lang="en-US" dirty="0"/>
-            </a:br>
-            <a:r>
-              <a:rPr lang="en-US" dirty="0"/>
-              <a:t>book results</a:t>
-            </a:r>
-          </a:p>
-          <a:p>
-            <a:endParaRPr lang="en-US" dirty="0"/>
-          </a:p>
-        </p:txBody>
-      </p:sp>
-      <p:pic>
-        <p:nvPicPr>
-          <p:cNvPr id="4" name="Picture 3"/>
-          <p:cNvPicPr>
-            <a:picLocks noChangeAspect="1"/>
-          </p:cNvPicPr>
-          <p:nvPr/>
-        </p:nvPicPr>
-        <p:blipFill>
-          <a:blip r:embed="rId2" cstate="print">
-            <a:extLst>
-              <a:ext uri="{28A0092B-C50C-407E-A947-70E740481C1C}">
-                <a14:useLocalDpi xmlns:a14="http://schemas.microsoft.com/office/drawing/2010/main" val="0"/>
-              </a:ext>
-            </a:extLst>
-          </a:blip>
-          <a:stretch>
-            <a:fillRect/>
-          </a:stretch>
-        </p:blipFill>
-        <p:spPr>
-          <a:xfrm>
-            <a:off x="4059226" y="3505200"/>
-            <a:ext cx="2189431" cy="1626655"/>
-          </a:xfrm>
-          <a:prstGeom prst="rect">
-            <a:avLst/>
-          </a:prstGeom>
-        </p:spPr>
-      </p:pic>
-      <p:pic>
-        <p:nvPicPr>
-          <p:cNvPr id="5" name="Picture 4"/>
-          <p:cNvPicPr>
-            <a:picLocks noChangeAspect="1"/>
-          </p:cNvPicPr>
-          <p:nvPr/>
-        </p:nvPicPr>
-        <p:blipFill>
-          <a:blip r:embed="rId3" cstate="print">
-            <a:extLst>
-              <a:ext uri="{28A0092B-C50C-407E-A947-70E740481C1C}">
-                <a14:useLocalDpi xmlns:a14="http://schemas.microsoft.com/office/drawing/2010/main" val="0"/>
-              </a:ext>
-            </a:extLst>
-          </a:blip>
-          <a:stretch>
-            <a:fillRect/>
-          </a:stretch>
-        </p:blipFill>
-        <p:spPr>
-          <a:xfrm>
-            <a:off x="2228899" y="3505200"/>
-            <a:ext cx="2189431" cy="1626655"/>
-          </a:xfrm>
-          <a:prstGeom prst="rect">
-            <a:avLst/>
-          </a:prstGeom>
-        </p:spPr>
-      </p:pic>
-      <p:sp>
-        <p:nvSpPr>
-          <p:cNvPr id="6" name="TextBox 5"/>
-          <p:cNvSpPr txBox="1"/>
-          <p:nvPr/>
-        </p:nvSpPr>
-        <p:spPr>
-          <a:xfrm>
-            <a:off x="3200400" y="5131855"/>
-            <a:ext cx="4114800" cy="307777"/>
-          </a:xfrm>
-          <a:prstGeom prst="rect">
-            <a:avLst/>
-          </a:prstGeom>
-          <a:noFill/>
-        </p:spPr>
-        <p:txBody>
-          <a:bodyPr wrap="square" rtlCol="0">
-            <a:spAutoFit/>
-          </a:bodyPr>
-          <a:lstStyle/>
-          <a:p>
-            <a:r>
-              <a:rPr lang="en-US" sz="1400" dirty="0" smtClean="0"/>
-              <a:t>Left: Charlottesville, Right: Everywhere</a:t>
-            </a:r>
-            <a:endParaRPr lang="en-US" sz="1400" dirty="0"/>
-          </a:p>
-        </p:txBody>
-      </p:sp>
-      <p:pic>
-        <p:nvPicPr>
-          <p:cNvPr id="7" name="Picture 6"/>
-          <p:cNvPicPr>
-            <a:picLocks noChangeAspect="1"/>
-          </p:cNvPicPr>
-          <p:nvPr/>
-        </p:nvPicPr>
-        <p:blipFill>
-          <a:blip r:embed="rId2" cstate="print">
-            <a:extLst>
-              <a:ext uri="{28A0092B-C50C-407E-A947-70E740481C1C}">
-                <a14:useLocalDpi xmlns:a14="http://schemas.microsoft.com/office/drawing/2010/main" val="0"/>
-              </a:ext>
-            </a:extLst>
-          </a:blip>
-          <a:stretch>
-            <a:fillRect/>
-          </a:stretch>
-        </p:blipFill>
-        <p:spPr>
-          <a:xfrm>
-            <a:off x="4516425" y="2762548"/>
-            <a:ext cx="3255975" cy="2419052"/>
-          </a:xfrm>
-          <a:prstGeom prst="rect">
-            <a:avLst/>
-          </a:prstGeom>
-        </p:spPr>
-      </p:pic>
-      <p:pic>
-        <p:nvPicPr>
-          <p:cNvPr id="8" name="Picture 7"/>
-          <p:cNvPicPr>
-            <a:picLocks noChangeAspect="1"/>
-          </p:cNvPicPr>
-          <p:nvPr/>
-        </p:nvPicPr>
-        <p:blipFill>
-          <a:blip r:embed="rId3" cstate="print">
-            <a:extLst>
-              <a:ext uri="{28A0092B-C50C-407E-A947-70E740481C1C}">
-                <a14:useLocalDpi xmlns:a14="http://schemas.microsoft.com/office/drawing/2010/main" val="0"/>
-              </a:ext>
-            </a:extLst>
-          </a:blip>
-          <a:stretch>
-            <a:fillRect/>
-          </a:stretch>
-        </p:blipFill>
-        <p:spPr>
-          <a:xfrm>
-            <a:off x="1827273" y="2739243"/>
-            <a:ext cx="3255975" cy="2419052"/>
-          </a:xfrm>
-          <a:prstGeom prst="rect">
-            <a:avLst/>
-          </a:prstGeom>
-        </p:spPr>
-      </p:pic>
-    </p:spTree>
-    <p:extLst>
-      <p:ext uri="{BB962C8B-B14F-4D97-AF65-F5344CB8AC3E}">
-        <p14:creationId xmlns:p14="http://schemas.microsoft.com/office/powerpoint/2010/main" val="1703548439"/>
+        <p14:creationId xmlns:p14="http://schemas.microsoft.com/office/powerpoint/2010/main" val="2465731266"/>
       </p:ext>
     </p:extLst>
   </p:cSld>

--- a/baej.lih.project-1 Presentation.pptx
+++ b/baej.lih.project-1 Presentation.pptx
@@ -12,8 +12,8 @@
     <p:sldId id="257" r:id="rId3"/>
     <p:sldId id="262" r:id="rId4"/>
     <p:sldId id="268" r:id="rId5"/>
-    <p:sldId id="267" r:id="rId6"/>
-    <p:sldId id="269" r:id="rId7"/>
+    <p:sldId id="269" r:id="rId6"/>
+    <p:sldId id="267" r:id="rId7"/>
     <p:sldId id="264" r:id="rId8"/>
     <p:sldId id="261" r:id="rId9"/>
   </p:sldIdLst>
@@ -116,7 +116,7 @@
   </p:defaultTextStyle>
   <p:extLst>
     <p:ext uri="{EFAFB233-063F-42B5-8137-9DF3F51BA10A}">
-      <p15:sldGuideLst xmlns:p15="http://schemas.microsoft.com/office/powerpoint/2012/main" xmlns="">
+      <p15:sldGuideLst xmlns:p15="http://schemas.microsoft.com/office/powerpoint/2012/main">
         <p15:guide id="1" orient="horz" pos="2160">
           <p15:clr>
             <a:srgbClr val="A4A3A4"/>
@@ -215,7 +215,7 @@
           <a:p>
             <a:fld id="{7FB712BC-AE2B-4760-94D7-99B3CEF02D64}" type="datetimeFigureOut">
               <a:rPr lang="en-US" smtClean="0"/>
-              <a:t>11/6/2016</a:t>
+              <a:t>11/7/16</a:t>
             </a:fld>
             <a:endParaRPr lang="en-US"/>
           </a:p>
@@ -621,6 +621,374 @@
           <a:bodyPr/>
           <a:lstStyle/>
           <a:p>
+            <a:pPr marL="0" marR="0" indent="0" algn="l" defTabSz="914400" rtl="0" eaLnBrk="1" fontAlgn="auto" latinLnBrk="0" hangingPunct="1">
+              <a:lnSpc>
+                <a:spcPct val="100000"/>
+              </a:lnSpc>
+              <a:spcBef>
+                <a:spcPts val="0"/>
+              </a:spcBef>
+              <a:spcAft>
+                <a:spcPts val="0"/>
+              </a:spcAft>
+              <a:buClrTx/>
+              <a:buSzTx/>
+              <a:buFontTx/>
+              <a:buNone/>
+              <a:tabLst/>
+              <a:defRPr/>
+            </a:pPr>
+            <a:r>
+              <a:rPr lang="en-US" dirty="0" smtClean="0"/>
+              <a:t>Higher accuracy: 73%</a:t>
+            </a:r>
+            <a:r>
+              <a:rPr lang="en-US" baseline="0" dirty="0" smtClean="0"/>
+              <a:t> accuracy</a:t>
+            </a:r>
+          </a:p>
+          <a:p>
+            <a:pPr marL="0" marR="0" indent="0" algn="l" defTabSz="914400" rtl="0" eaLnBrk="1" fontAlgn="auto" latinLnBrk="0" hangingPunct="1">
+              <a:lnSpc>
+                <a:spcPct val="100000"/>
+              </a:lnSpc>
+              <a:spcBef>
+                <a:spcPts val="0"/>
+              </a:spcBef>
+              <a:spcAft>
+                <a:spcPts val="0"/>
+              </a:spcAft>
+              <a:buClrTx/>
+              <a:buSzTx/>
+              <a:buFontTx/>
+              <a:buNone/>
+              <a:tabLst/>
+              <a:defRPr/>
+            </a:pPr>
+            <a:r>
+              <a:rPr lang="en-US" baseline="0" dirty="0" smtClean="0"/>
+              <a:t>Hard to interpret, seems like overfitting</a:t>
+            </a:r>
+          </a:p>
+          <a:p>
+            <a:pPr marL="0" marR="0" indent="0" algn="l" defTabSz="914400" rtl="0" eaLnBrk="1" fontAlgn="auto" latinLnBrk="0" hangingPunct="1">
+              <a:lnSpc>
+                <a:spcPct val="100000"/>
+              </a:lnSpc>
+              <a:spcBef>
+                <a:spcPts val="0"/>
+              </a:spcBef>
+              <a:spcAft>
+                <a:spcPts val="0"/>
+              </a:spcAft>
+              <a:buClrTx/>
+              <a:buSzTx/>
+              <a:buFontTx/>
+              <a:buNone/>
+              <a:tabLst/>
+              <a:defRPr/>
+            </a:pPr>
+            <a:r>
+              <a:rPr lang="en-US" baseline="0" dirty="0" err="1" smtClean="0"/>
+              <a:t>Field_cd</a:t>
+            </a:r>
+            <a:r>
+              <a:rPr lang="en-US" baseline="0" dirty="0" smtClean="0"/>
+              <a:t> n </a:t>
+            </a:r>
+            <a:r>
+              <a:rPr lang="en-US" baseline="0" dirty="0" err="1" smtClean="0"/>
+              <a:t>career_cd</a:t>
+            </a:r>
+            <a:r>
+              <a:rPr lang="en-US" baseline="0" dirty="0" smtClean="0"/>
+              <a:t> have a lot </a:t>
+            </a:r>
+            <a:r>
+              <a:rPr lang="en-US" baseline="0" dirty="0" err="1" smtClean="0"/>
+              <a:t>potetial</a:t>
+            </a:r>
+            <a:r>
+              <a:rPr lang="en-US" baseline="0" dirty="0" smtClean="0"/>
+              <a:t> outcomes</a:t>
+            </a:r>
+            <a:endParaRPr lang="en-US" dirty="0" smtClean="0"/>
+          </a:p>
+          <a:p>
+            <a:endParaRPr lang="en-US" dirty="0"/>
+          </a:p>
+        </p:txBody>
+      </p:sp>
+      <p:sp>
+        <p:nvSpPr>
+          <p:cNvPr id="4" name="Slide Number Placeholder 3"/>
+          <p:cNvSpPr>
+            <a:spLocks noGrp="1"/>
+          </p:cNvSpPr>
+          <p:nvPr>
+            <p:ph type="sldNum" sz="quarter" idx="10"/>
+          </p:nvPr>
+        </p:nvSpPr>
+        <p:spPr/>
+        <p:txBody>
+          <a:bodyPr/>
+          <a:lstStyle/>
+          <a:p>
+            <a:fld id="{067E96DB-0F97-464C-BDF1-DF474AC9290B}" type="slidenum">
+              <a:rPr lang="en-US" smtClean="0"/>
+              <a:t>5</a:t>
+            </a:fld>
+            <a:endParaRPr lang="en-US"/>
+          </a:p>
+        </p:txBody>
+      </p:sp>
+    </p:spTree>
+    <p:extLst>
+      <p:ext uri="{BB962C8B-B14F-4D97-AF65-F5344CB8AC3E}">
+        <p14:creationId xmlns:p14="http://schemas.microsoft.com/office/powerpoint/2010/main" val="1128874033"/>
+      </p:ext>
+    </p:extLst>
+  </p:cSld>
+  <p:clrMapOvr>
+    <a:masterClrMapping/>
+  </p:clrMapOvr>
+</p:notes>
+</file>
+
+<file path=ppt/notesSlides/notesSlide3.xml><?xml version="1.0" encoding="utf-8"?>
+<p:notes xmlns:a="http://schemas.openxmlformats.org/drawingml/2006/main" xmlns:r="http://schemas.openxmlformats.org/officeDocument/2006/relationships" xmlns:p="http://schemas.openxmlformats.org/presentationml/2006/main">
+  <p:cSld>
+    <p:spTree>
+      <p:nvGrpSpPr>
+        <p:cNvPr id="1" name=""/>
+        <p:cNvGrpSpPr/>
+        <p:nvPr/>
+      </p:nvGrpSpPr>
+      <p:grpSpPr>
+        <a:xfrm>
+          <a:off x="0" y="0"/>
+          <a:ext cx="0" cy="0"/>
+          <a:chOff x="0" y="0"/>
+          <a:chExt cx="0" cy="0"/>
+        </a:xfrm>
+      </p:grpSpPr>
+      <p:sp>
+        <p:nvSpPr>
+          <p:cNvPr id="2" name="Slide Image Placeholder 1"/>
+          <p:cNvSpPr>
+            <a:spLocks noGrp="1" noRot="1" noChangeAspect="1"/>
+          </p:cNvSpPr>
+          <p:nvPr>
+            <p:ph type="sldImg"/>
+          </p:nvPr>
+        </p:nvSpPr>
+        <p:spPr/>
+      </p:sp>
+      <p:sp>
+        <p:nvSpPr>
+          <p:cNvPr id="3" name="Notes Placeholder 2"/>
+          <p:cNvSpPr>
+            <a:spLocks noGrp="1"/>
+          </p:cNvSpPr>
+          <p:nvPr>
+            <p:ph type="body" idx="1"/>
+          </p:nvPr>
+        </p:nvSpPr>
+        <p:spPr/>
+        <p:txBody>
+          <a:bodyPr/>
+          <a:lstStyle/>
+          <a:p>
+            <a:pPr marL="0" marR="0" indent="0" algn="l" defTabSz="914400" rtl="0" eaLnBrk="1" fontAlgn="auto" latinLnBrk="0" hangingPunct="1">
+              <a:lnSpc>
+                <a:spcPct val="100000"/>
+              </a:lnSpc>
+              <a:spcBef>
+                <a:spcPts val="0"/>
+              </a:spcBef>
+              <a:spcAft>
+                <a:spcPts val="0"/>
+              </a:spcAft>
+              <a:buClrTx/>
+              <a:buSzTx/>
+              <a:buFontTx/>
+              <a:buNone/>
+              <a:tabLst/>
+              <a:defRPr/>
+            </a:pPr>
+            <a:r>
+              <a:rPr lang="en-US" dirty="0" smtClean="0"/>
+              <a:t>Lower accuracy:</a:t>
+            </a:r>
+            <a:r>
+              <a:rPr lang="en-US" baseline="0" dirty="0" smtClean="0"/>
+              <a:t> 70% </a:t>
+            </a:r>
+          </a:p>
+          <a:p>
+            <a:pPr marL="0" marR="0" indent="0" algn="l" defTabSz="914400" rtl="0" eaLnBrk="1" fontAlgn="auto" latinLnBrk="0" hangingPunct="1">
+              <a:lnSpc>
+                <a:spcPct val="100000"/>
+              </a:lnSpc>
+              <a:spcBef>
+                <a:spcPts val="0"/>
+              </a:spcBef>
+              <a:spcAft>
+                <a:spcPts val="0"/>
+              </a:spcAft>
+              <a:buClrTx/>
+              <a:buSzTx/>
+              <a:buFontTx/>
+              <a:buNone/>
+              <a:tabLst/>
+              <a:defRPr/>
+            </a:pPr>
+            <a:r>
+              <a:rPr lang="en-US" baseline="0" dirty="0" smtClean="0"/>
+              <a:t>Less </a:t>
+            </a:r>
+            <a:r>
+              <a:rPr lang="en-US" baseline="0" dirty="0" err="1" smtClean="0"/>
+              <a:t>attributrs</a:t>
+            </a:r>
+            <a:r>
+              <a:rPr lang="en-US" baseline="0" dirty="0" smtClean="0"/>
+              <a:t> used, No overfitting because of the </a:t>
+            </a:r>
+            <a:r>
+              <a:rPr lang="en-US" baseline="0" dirty="0" err="1" smtClean="0"/>
+              <a:t>signficance</a:t>
+            </a:r>
+            <a:r>
+              <a:rPr lang="en-US" baseline="0" dirty="0" smtClean="0"/>
+              <a:t> test</a:t>
+            </a:r>
+          </a:p>
+          <a:p>
+            <a:pPr marL="0" marR="0" indent="0" algn="l" defTabSz="914400" rtl="0" eaLnBrk="1" fontAlgn="auto" latinLnBrk="0" hangingPunct="1">
+              <a:lnSpc>
+                <a:spcPct val="100000"/>
+              </a:lnSpc>
+              <a:spcBef>
+                <a:spcPts val="0"/>
+              </a:spcBef>
+              <a:spcAft>
+                <a:spcPts val="0"/>
+              </a:spcAft>
+              <a:buClrTx/>
+              <a:buSzTx/>
+              <a:buFontTx/>
+              <a:buNone/>
+              <a:tabLst/>
+              <a:defRPr/>
+            </a:pPr>
+            <a:endParaRPr lang="en-US" baseline="0" dirty="0" smtClean="0"/>
+          </a:p>
+          <a:p>
+            <a:pPr marL="0" marR="0" indent="0" algn="l" defTabSz="914400" rtl="0" eaLnBrk="1" fontAlgn="auto" latinLnBrk="0" hangingPunct="1">
+              <a:lnSpc>
+                <a:spcPct val="100000"/>
+              </a:lnSpc>
+              <a:spcBef>
+                <a:spcPts val="0"/>
+              </a:spcBef>
+              <a:spcAft>
+                <a:spcPts val="0"/>
+              </a:spcAft>
+              <a:buClrTx/>
+              <a:buSzTx/>
+              <a:buFontTx/>
+              <a:buNone/>
+              <a:tabLst/>
+              <a:defRPr/>
+            </a:pPr>
+            <a:endParaRPr lang="en-US" dirty="0" smtClean="0"/>
+          </a:p>
+          <a:p>
+            <a:endParaRPr lang="en-US" dirty="0"/>
+          </a:p>
+        </p:txBody>
+      </p:sp>
+      <p:sp>
+        <p:nvSpPr>
+          <p:cNvPr id="4" name="Slide Number Placeholder 3"/>
+          <p:cNvSpPr>
+            <a:spLocks noGrp="1"/>
+          </p:cNvSpPr>
+          <p:nvPr>
+            <p:ph type="sldNum" sz="quarter" idx="10"/>
+          </p:nvPr>
+        </p:nvSpPr>
+        <p:spPr/>
+        <p:txBody>
+          <a:bodyPr/>
+          <a:lstStyle/>
+          <a:p>
+            <a:fld id="{067E96DB-0F97-464C-BDF1-DF474AC9290B}" type="slidenum">
+              <a:rPr lang="en-US" smtClean="0"/>
+              <a:t>6</a:t>
+            </a:fld>
+            <a:endParaRPr lang="en-US"/>
+          </a:p>
+        </p:txBody>
+      </p:sp>
+    </p:spTree>
+    <p:extLst>
+      <p:ext uri="{BB962C8B-B14F-4D97-AF65-F5344CB8AC3E}">
+        <p14:creationId xmlns:p14="http://schemas.microsoft.com/office/powerpoint/2010/main" val="1667798950"/>
+      </p:ext>
+    </p:extLst>
+  </p:cSld>
+  <p:clrMapOvr>
+    <a:masterClrMapping/>
+  </p:clrMapOvr>
+</p:notes>
+</file>
+
+<file path=ppt/notesSlides/notesSlide4.xml><?xml version="1.0" encoding="utf-8"?>
+<p:notes xmlns:a="http://schemas.openxmlformats.org/drawingml/2006/main" xmlns:r="http://schemas.openxmlformats.org/officeDocument/2006/relationships" xmlns:p="http://schemas.openxmlformats.org/presentationml/2006/main">
+  <p:cSld>
+    <p:spTree>
+      <p:nvGrpSpPr>
+        <p:cNvPr id="1" name=""/>
+        <p:cNvGrpSpPr/>
+        <p:nvPr/>
+      </p:nvGrpSpPr>
+      <p:grpSpPr>
+        <a:xfrm>
+          <a:off x="0" y="0"/>
+          <a:ext cx="0" cy="0"/>
+          <a:chOff x="0" y="0"/>
+          <a:chExt cx="0" cy="0"/>
+        </a:xfrm>
+      </p:grpSpPr>
+      <p:sp>
+        <p:nvSpPr>
+          <p:cNvPr id="2" name="Slide Image Placeholder 1"/>
+          <p:cNvSpPr>
+            <a:spLocks noGrp="1" noRot="1" noChangeAspect="1"/>
+          </p:cNvSpPr>
+          <p:nvPr>
+            <p:ph type="sldImg"/>
+          </p:nvPr>
+        </p:nvSpPr>
+        <p:spPr/>
+      </p:sp>
+      <p:sp>
+        <p:nvSpPr>
+          <p:cNvPr id="3" name="Notes Placeholder 2"/>
+          <p:cNvSpPr>
+            <a:spLocks noGrp="1"/>
+          </p:cNvSpPr>
+          <p:nvPr>
+            <p:ph type="body" idx="1"/>
+          </p:nvPr>
+        </p:nvSpPr>
+        <p:spPr/>
+        <p:txBody>
+          <a:bodyPr/>
+          <a:lstStyle/>
+          <a:p>
             <a:endParaRPr lang="en-US" dirty="0"/>
           </a:p>
         </p:txBody>
@@ -849,7 +1217,7 @@
           <a:p>
             <a:fld id="{9B2D2B65-2278-4999-8038-1EF4CF8A0D7C}" type="datetimeFigureOut">
               <a:rPr lang="en-US" smtClean="0"/>
-              <a:t>11/6/2016</a:t>
+              <a:t>11/7/16</a:t>
             </a:fld>
             <a:endParaRPr lang="en-US"/>
           </a:p>
@@ -1049,7 +1417,7 @@
           <a:p>
             <a:fld id="{9B2D2B65-2278-4999-8038-1EF4CF8A0D7C}" type="datetimeFigureOut">
               <a:rPr lang="en-US" smtClean="0"/>
-              <a:t>11/6/2016</a:t>
+              <a:t>11/7/16</a:t>
             </a:fld>
             <a:endParaRPr lang="en-US"/>
           </a:p>
@@ -1224,7 +1592,7 @@
           <a:p>
             <a:fld id="{9B2D2B65-2278-4999-8038-1EF4CF8A0D7C}" type="datetimeFigureOut">
               <a:rPr lang="en-US" smtClean="0"/>
-              <a:t>11/6/2016</a:t>
+              <a:t>11/7/16</a:t>
             </a:fld>
             <a:endParaRPr lang="en-US"/>
           </a:p>
@@ -1389,7 +1757,7 @@
           <a:p>
             <a:fld id="{9B2D2B65-2278-4999-8038-1EF4CF8A0D7C}" type="datetimeFigureOut">
               <a:rPr lang="en-US" smtClean="0"/>
-              <a:t>11/6/2016</a:t>
+              <a:t>11/7/16</a:t>
             </a:fld>
             <a:endParaRPr lang="en-US"/>
           </a:p>
@@ -1637,7 +2005,7 @@
           <a:p>
             <a:fld id="{9B2D2B65-2278-4999-8038-1EF4CF8A0D7C}" type="datetimeFigureOut">
               <a:rPr lang="en-US" smtClean="0"/>
-              <a:t>11/6/2016</a:t>
+              <a:t>11/7/16</a:t>
             </a:fld>
             <a:endParaRPr lang="en-US"/>
           </a:p>
@@ -1955,7 +2323,7 @@
           <a:p>
             <a:fld id="{9B2D2B65-2278-4999-8038-1EF4CF8A0D7C}" type="datetimeFigureOut">
               <a:rPr lang="en-US" smtClean="0"/>
-              <a:t>11/6/2016</a:t>
+              <a:t>11/7/16</a:t>
             </a:fld>
             <a:endParaRPr lang="en-US"/>
           </a:p>
@@ -2421,7 +2789,7 @@
           <a:p>
             <a:fld id="{9B2D2B65-2278-4999-8038-1EF4CF8A0D7C}" type="datetimeFigureOut">
               <a:rPr lang="en-US" smtClean="0"/>
-              <a:t>11/6/2016</a:t>
+              <a:t>11/7/16</a:t>
             </a:fld>
             <a:endParaRPr lang="en-US"/>
           </a:p>
@@ -2569,7 +2937,7 @@
           <a:p>
             <a:fld id="{9B2D2B65-2278-4999-8038-1EF4CF8A0D7C}" type="datetimeFigureOut">
               <a:rPr lang="en-US" smtClean="0"/>
-              <a:t>11/6/2016</a:t>
+              <a:t>11/7/16</a:t>
             </a:fld>
             <a:endParaRPr lang="en-US"/>
           </a:p>
@@ -2659,7 +3027,7 @@
           <a:p>
             <a:fld id="{9B2D2B65-2278-4999-8038-1EF4CF8A0D7C}" type="datetimeFigureOut">
               <a:rPr lang="en-US" smtClean="0"/>
-              <a:t>11/6/2016</a:t>
+              <a:t>11/7/16</a:t>
             </a:fld>
             <a:endParaRPr lang="en-US"/>
           </a:p>
@@ -2933,7 +3301,7 @@
           <a:p>
             <a:fld id="{9B2D2B65-2278-4999-8038-1EF4CF8A0D7C}" type="datetimeFigureOut">
               <a:rPr lang="en-US" smtClean="0"/>
-              <a:t>11/6/2016</a:t>
+              <a:t>11/7/16</a:t>
             </a:fld>
             <a:endParaRPr lang="en-US"/>
           </a:p>
@@ -3238,7 +3606,7 @@
           <a:p>
             <a:fld id="{9B2D2B65-2278-4999-8038-1EF4CF8A0D7C}" type="datetimeFigureOut">
               <a:rPr lang="en-US" smtClean="0"/>
-              <a:t>11/6/2016</a:t>
+              <a:t>11/7/16</a:t>
             </a:fld>
             <a:endParaRPr lang="en-US"/>
           </a:p>
@@ -3536,7 +3904,7 @@
           <a:p>
             <a:fld id="{9B2D2B65-2278-4999-8038-1EF4CF8A0D7C}" type="datetimeFigureOut">
               <a:rPr lang="en-US" smtClean="0"/>
-              <a:t>11/6/2016</a:t>
+              <a:t>11/7/16</a:t>
             </a:fld>
             <a:endParaRPr lang="en-US"/>
           </a:p>
@@ -4071,26 +4439,13 @@
           <a:p>
             <a:r>
               <a:rPr lang="en-US" dirty="0" smtClean="0"/>
-              <a:t>Overall Goal: The </a:t>
-            </a:r>
-            <a:r>
-              <a:rPr lang="en-US" dirty="0" smtClean="0"/>
-              <a:t>objective of this study was to find what makes females decide yes to a </a:t>
-            </a:r>
-            <a:r>
-              <a:rPr lang="en-US" dirty="0" smtClean="0"/>
-              <a:t>male</a:t>
-            </a:r>
-            <a:endParaRPr lang="en-US" dirty="0" smtClean="0"/>
-          </a:p>
-          <a:p>
-            <a:r>
-              <a:rPr lang="en-US" dirty="0" smtClean="0"/>
-              <a:t>Our </a:t>
-            </a:r>
-            <a:r>
-              <a:rPr lang="en-US" dirty="0" smtClean="0"/>
-              <a:t>findings show: </a:t>
+              <a:t>Overall Goal: The objective of this study was to find what makes females decide yes to a male</a:t>
+            </a:r>
+          </a:p>
+          <a:p>
+            <a:r>
+              <a:rPr lang="en-US" dirty="0" smtClean="0"/>
+              <a:t>Our findings show: </a:t>
             </a:r>
           </a:p>
           <a:p>
@@ -4196,26 +4551,14 @@
           <a:p>
             <a:r>
               <a:rPr lang="en-US" dirty="0" smtClean="0"/>
-              <a:t>Imputation</a:t>
-            </a:r>
-            <a:r>
-              <a:rPr lang="en-US" dirty="0" smtClean="0"/>
-              <a:t>:</a:t>
+              <a:t>Imputation:</a:t>
             </a:r>
           </a:p>
           <a:p>
             <a:pPr lvl="1"/>
             <a:r>
               <a:rPr lang="en-US" dirty="0" smtClean="0"/>
-              <a:t>If N/A rating </a:t>
-            </a:r>
-            <a:r>
-              <a:rPr lang="en-US" dirty="0" smtClean="0"/>
-              <a:t>for </a:t>
-            </a:r>
-            <a:r>
-              <a:rPr lang="en-US" dirty="0" smtClean="0"/>
-              <a:t>attributes </a:t>
+              <a:t>If N/A rating for attributes </a:t>
             </a:r>
             <a:r>
               <a:rPr lang="en-US" dirty="0" err="1" smtClean="0"/>
@@ -4262,11 +4605,7 @@
             </a:br>
             <a:r>
               <a:rPr lang="en-US" dirty="0" smtClean="0"/>
-              <a:t>use </a:t>
-            </a:r>
-            <a:r>
-              <a:rPr lang="en-US" dirty="0" smtClean="0"/>
-              <a:t>mean score of the </a:t>
+              <a:t>use mean score of the </a:t>
             </a:r>
             <a:r>
               <a:rPr lang="en-US" dirty="0" err="1" smtClean="0"/>
@@ -4278,11 +4617,7 @@
             <a:pPr lvl="1"/>
             <a:r>
               <a:rPr lang="en-US" dirty="0" smtClean="0"/>
-              <a:t>If N/A </a:t>
-            </a:r>
-            <a:r>
-              <a:rPr lang="en-US" dirty="0" smtClean="0"/>
-              <a:t>coding for </a:t>
+              <a:t>If N/A coding for </a:t>
             </a:r>
             <a:r>
               <a:rPr lang="en-US" dirty="0" err="1" smtClean="0"/>
@@ -4306,11 +4641,7 @@
             </a:r>
             <a:r>
               <a:rPr lang="en-US" dirty="0" smtClean="0"/>
-              <a:t>ode value similar </a:t>
-            </a:r>
-            <a:r>
-              <a:rPr lang="en-US" dirty="0" smtClean="0"/>
-              <a:t>corresponding careers and fields</a:t>
+              <a:t>ode value similar corresponding careers and fields</a:t>
             </a:r>
           </a:p>
           <a:p>
@@ -4406,7 +4737,9 @@
         </p:nvSpPr>
         <p:spPr/>
         <p:txBody>
-          <a:bodyPr/>
+          <a:bodyPr>
+            <a:normAutofit/>
+          </a:bodyPr>
           <a:lstStyle/>
           <a:p>
             <a:r>
@@ -4420,23 +4753,219 @@
               <a:rPr lang="en-US" dirty="0" smtClean="0"/>
               <a:t>Select following variables: </a:t>
             </a:r>
-          </a:p>
-          <a:p>
-            <a:r>
-              <a:rPr lang="en-US" dirty="0" smtClean="0"/>
-              <a:t>Used C5.0 tree and </a:t>
+            <a:endParaRPr lang="en-US" dirty="0" smtClean="0"/>
+          </a:p>
+          <a:p>
+            <a:pPr lvl="1"/>
+            <a:r>
+              <a:rPr lang="en-US" dirty="0" smtClean="0"/>
+              <a:t>Men’s characteristics: </a:t>
+            </a:r>
+          </a:p>
+          <a:p>
+            <a:pPr lvl="2"/>
+            <a:r>
+              <a:rPr lang="en-US" b="1" dirty="0" err="1">
+                <a:solidFill>
+                  <a:srgbClr val="FF0000"/>
+                </a:solidFill>
+              </a:rPr>
+              <a:t>field_cd</a:t>
+            </a:r>
+            <a:r>
+              <a:rPr lang="en-US" b="1" dirty="0">
+                <a:solidFill>
+                  <a:srgbClr val="FF0000"/>
+                </a:solidFill>
+              </a:rPr>
+              <a:t>, </a:t>
+            </a:r>
+            <a:r>
+              <a:rPr lang="en-US" b="1" dirty="0" err="1" smtClean="0">
+                <a:solidFill>
+                  <a:srgbClr val="FF0000"/>
+                </a:solidFill>
+              </a:rPr>
+              <a:t>career_c</a:t>
+            </a:r>
+            <a:r>
+              <a:rPr lang="en-US" b="1" dirty="0" smtClean="0"/>
+              <a:t>, </a:t>
+            </a:r>
+            <a:r>
+              <a:rPr lang="en-US" b="1" dirty="0" smtClean="0">
+                <a:solidFill>
+                  <a:srgbClr val="FF0000"/>
+                </a:solidFill>
+              </a:rPr>
+              <a:t>age, </a:t>
+            </a:r>
+            <a:r>
+              <a:rPr lang="en-US" b="1" dirty="0">
+                <a:solidFill>
+                  <a:srgbClr val="FF0000"/>
+                </a:solidFill>
+              </a:rPr>
+              <a:t>race, </a:t>
+            </a:r>
+            <a:r>
+              <a:rPr lang="en-US" b="1" dirty="0" smtClean="0">
+                <a:solidFill>
+                  <a:srgbClr val="FF0000"/>
+                </a:solidFill>
+              </a:rPr>
+              <a:t>met, date, </a:t>
             </a:r>
             <a:r>
               <a:rPr lang="en-US" dirty="0" err="1" smtClean="0"/>
+              <a:t>exphappy</a:t>
+            </a:r>
+            <a:r>
+              <a:rPr lang="en-US" dirty="0" smtClean="0"/>
+              <a:t>, sports, </a:t>
+            </a:r>
+            <a:r>
+              <a:rPr lang="en-US" dirty="0" err="1" smtClean="0"/>
+              <a:t>tvsports</a:t>
+            </a:r>
+            <a:r>
+              <a:rPr lang="en-US" dirty="0" smtClean="0"/>
+              <a:t>, exercise, dining, museums, art, hiking, gaming, clubbing, reading, </a:t>
+            </a:r>
+            <a:r>
+              <a:rPr lang="en-US" dirty="0" err="1" smtClean="0"/>
+              <a:t>tv</a:t>
+            </a:r>
+            <a:r>
+              <a:rPr lang="en-US" dirty="0" smtClean="0"/>
+              <a:t>, theater, movies, concerts, music, shopping, yoga, goal, </a:t>
+            </a:r>
+            <a:r>
+              <a:rPr lang="en-US" dirty="0" err="1" smtClean="0"/>
+              <a:t>go_out</a:t>
+            </a:r>
+            <a:r>
+              <a:rPr lang="en-US" dirty="0" smtClean="0"/>
+              <a:t>, </a:t>
+            </a:r>
+          </a:p>
+          <a:p>
+            <a:pPr lvl="1"/>
+            <a:r>
+              <a:rPr lang="en-US" dirty="0" smtClean="0"/>
+              <a:t>Event’s characteristics:</a:t>
+            </a:r>
+          </a:p>
+          <a:p>
+            <a:pPr lvl="2"/>
+            <a:r>
+              <a:rPr lang="en-US" b="1" dirty="0" smtClean="0">
+                <a:solidFill>
+                  <a:srgbClr val="FF0000"/>
+                </a:solidFill>
+              </a:rPr>
+              <a:t>round</a:t>
+            </a:r>
+            <a:r>
+              <a:rPr lang="en-US" dirty="0"/>
+              <a:t>, </a:t>
+            </a:r>
+            <a:r>
+              <a:rPr lang="en-US" dirty="0" smtClean="0"/>
+              <a:t>magazine</a:t>
+            </a:r>
+          </a:p>
+          <a:p>
+            <a:pPr lvl="1"/>
+            <a:r>
+              <a:rPr lang="en-US" dirty="0"/>
+              <a:t>Ratings to men: </a:t>
+            </a:r>
+          </a:p>
+          <a:p>
+            <a:pPr lvl="2"/>
+            <a:r>
+              <a:rPr lang="en-US" b="1" dirty="0" err="1" smtClean="0">
+                <a:solidFill>
+                  <a:srgbClr val="FF0000"/>
+                </a:solidFill>
+              </a:rPr>
+              <a:t>attr_o</a:t>
+            </a:r>
+            <a:r>
+              <a:rPr lang="en-US" b="1" dirty="0">
+                <a:solidFill>
+                  <a:srgbClr val="FF0000"/>
+                </a:solidFill>
+              </a:rPr>
+              <a:t>, </a:t>
+            </a:r>
+            <a:r>
+              <a:rPr lang="en-US" b="1" dirty="0" err="1">
+                <a:solidFill>
+                  <a:srgbClr val="FF0000"/>
+                </a:solidFill>
+              </a:rPr>
+              <a:t>sinc_o</a:t>
+            </a:r>
+            <a:r>
+              <a:rPr lang="en-US" b="1" dirty="0">
+                <a:solidFill>
+                  <a:srgbClr val="FF0000"/>
+                </a:solidFill>
+              </a:rPr>
+              <a:t>, </a:t>
+            </a:r>
+            <a:r>
+              <a:rPr lang="en-US" b="1" dirty="0" err="1">
+                <a:solidFill>
+                  <a:srgbClr val="FF0000"/>
+                </a:solidFill>
+              </a:rPr>
+              <a:t>intel_o</a:t>
+            </a:r>
+            <a:r>
+              <a:rPr lang="en-US" b="1" dirty="0">
+                <a:solidFill>
+                  <a:srgbClr val="FF0000"/>
+                </a:solidFill>
+              </a:rPr>
+              <a:t>, </a:t>
+            </a:r>
+            <a:r>
+              <a:rPr lang="en-US" b="1" dirty="0" err="1" smtClean="0">
+                <a:solidFill>
+                  <a:srgbClr val="FF0000"/>
+                </a:solidFill>
+              </a:rPr>
+              <a:t>fun_o,amb_o</a:t>
+            </a:r>
+            <a:endParaRPr lang="en-US" b="1" dirty="0" smtClean="0">
+              <a:solidFill>
+                <a:srgbClr val="FF0000"/>
+              </a:solidFill>
+            </a:endParaRPr>
+          </a:p>
+          <a:p>
+            <a:pPr lvl="1"/>
+            <a:endParaRPr lang="en-US" dirty="0" smtClean="0"/>
+          </a:p>
+          <a:p>
+            <a:r>
+              <a:rPr lang="en-US" b="1" dirty="0" smtClean="0"/>
+              <a:t>Used </a:t>
+            </a:r>
+            <a:r>
+              <a:rPr lang="en-US" b="1" dirty="0"/>
+              <a:t>C5.0 </a:t>
+            </a:r>
+            <a:r>
+              <a:rPr lang="en-US" b="1" dirty="0" smtClean="0"/>
+              <a:t>tree and </a:t>
+            </a:r>
+            <a:r>
+              <a:rPr lang="en-US" b="1" dirty="0" err="1" smtClean="0"/>
               <a:t>CTree</a:t>
-            </a:r>
-            <a:endParaRPr lang="en-US" dirty="0" smtClean="0"/>
-          </a:p>
-          <a:p>
-            <a:pPr lvl="1"/>
-            <a:r>
-              <a:rPr lang="en-US" dirty="0" smtClean="0"/>
-              <a:t>C5.0 has more branches</a:t>
             </a:r>
             <a:endParaRPr lang="en-US" dirty="0"/>
           </a:p>
@@ -4452,6 +4981,13 @@
   <p:clrMapOvr>
     <a:masterClrMapping/>
   </p:clrMapOvr>
+  <p:timing>
+    <p:tnLst>
+      <p:par>
+        <p:cTn id="1" dur="indefinite" restart="never" nodeType="tmRoot"/>
+      </p:par>
+    </p:tnLst>
+  </p:timing>
 </p:sld>
 </file>
 
@@ -4488,6 +5024,313 @@
           <a:lstStyle/>
           <a:p>
             <a:r>
+              <a:rPr lang="en-US" dirty="0"/>
+              <a:t>Classification (</a:t>
+            </a:r>
+            <a:r>
+              <a:rPr lang="en-US" dirty="0" smtClean="0"/>
+              <a:t>C5.0 Tree)</a:t>
+            </a:r>
+            <a:endParaRPr lang="en-US" dirty="0"/>
+          </a:p>
+        </p:txBody>
+      </p:sp>
+      <p:pic>
+        <p:nvPicPr>
+          <p:cNvPr id="4" name="Content Placeholder 3"/>
+          <p:cNvPicPr>
+            <a:picLocks noGrp="1" noChangeAspect="1"/>
+          </p:cNvPicPr>
+          <p:nvPr>
+            <p:ph idx="1"/>
+          </p:nvPr>
+        </p:nvPicPr>
+        <p:blipFill>
+          <a:blip r:embed="rId3">
+            <a:extLst>
+              <a:ext uri="{28A0092B-C50C-407E-A947-70E740481C1C}">
+                <a14:useLocalDpi xmlns:a14="http://schemas.microsoft.com/office/drawing/2010/main" val="0"/>
+              </a:ext>
+            </a:extLst>
+          </a:blip>
+          <a:stretch>
+            <a:fillRect/>
+          </a:stretch>
+        </p:blipFill>
+        <p:spPr>
+          <a:xfrm>
+            <a:off x="457200" y="1981200"/>
+            <a:ext cx="8229600" cy="4114800"/>
+          </a:xfrm>
+        </p:spPr>
+      </p:pic>
+      <p:sp>
+        <p:nvSpPr>
+          <p:cNvPr id="5" name="Rectangle 4"/>
+          <p:cNvSpPr/>
+          <p:nvPr/>
+        </p:nvSpPr>
+        <p:spPr>
+          <a:xfrm>
+            <a:off x="304800" y="5029200"/>
+            <a:ext cx="990600" cy="1066800"/>
+          </a:xfrm>
+          <a:prstGeom prst="rect">
+            <a:avLst/>
+          </a:prstGeom>
+          <a:noFill/>
+          <a:ln>
+            <a:solidFill>
+              <a:srgbClr val="FF0000"/>
+            </a:solidFill>
+          </a:ln>
+        </p:spPr>
+        <p:style>
+          <a:lnRef idx="2">
+            <a:schemeClr val="accent1">
+              <a:shade val="50000"/>
+            </a:schemeClr>
+          </a:lnRef>
+          <a:fillRef idx="1">
+            <a:schemeClr val="accent1"/>
+          </a:fillRef>
+          <a:effectRef idx="0">
+            <a:schemeClr val="accent1"/>
+          </a:effectRef>
+          <a:fontRef idx="minor">
+            <a:schemeClr val="lt1"/>
+          </a:fontRef>
+        </p:style>
+        <p:txBody>
+          <a:bodyPr rtlCol="0" anchor="ctr"/>
+          <a:lstStyle/>
+          <a:p>
+            <a:pPr algn="ctr"/>
+            <a:endParaRPr lang="en-US" dirty="0">
+              <a:solidFill>
+                <a:sysClr val="windowText" lastClr="000000"/>
+              </a:solidFill>
+            </a:endParaRPr>
+          </a:p>
+        </p:txBody>
+      </p:sp>
+      <p:sp>
+        <p:nvSpPr>
+          <p:cNvPr id="6" name="TextBox 5"/>
+          <p:cNvSpPr txBox="1"/>
+          <p:nvPr/>
+        </p:nvSpPr>
+        <p:spPr>
+          <a:xfrm>
+            <a:off x="152400" y="4038600"/>
+            <a:ext cx="1600200" cy="1200329"/>
+          </a:xfrm>
+          <a:prstGeom prst="rect">
+            <a:avLst/>
+          </a:prstGeom>
+          <a:noFill/>
+        </p:spPr>
+        <p:txBody>
+          <a:bodyPr wrap="square" rtlCol="0">
+            <a:spAutoFit/>
+          </a:bodyPr>
+          <a:lstStyle/>
+          <a:p>
+            <a:r>
+              <a:rPr lang="en-US" dirty="0">
+                <a:solidFill>
+                  <a:srgbClr val="FF0000"/>
+                </a:solidFill>
+              </a:rPr>
+              <a:t>When you not attractive or funny </a:t>
+            </a:r>
+            <a:r>
+              <a:rPr lang="en-US" dirty="0" smtClean="0">
+                <a:solidFill>
+                  <a:srgbClr val="FF0000"/>
+                </a:solidFill>
+              </a:rPr>
+              <a:t>enough  </a:t>
+            </a:r>
+            <a:endParaRPr lang="en-US" dirty="0">
+              <a:solidFill>
+                <a:srgbClr val="FF0000"/>
+              </a:solidFill>
+            </a:endParaRPr>
+          </a:p>
+          <a:p>
+            <a:endParaRPr lang="en-US" dirty="0">
+              <a:solidFill>
+                <a:srgbClr val="FF0000"/>
+              </a:solidFill>
+            </a:endParaRPr>
+          </a:p>
+        </p:txBody>
+      </p:sp>
+      <p:sp>
+        <p:nvSpPr>
+          <p:cNvPr id="7" name="Rectangle 6"/>
+          <p:cNvSpPr/>
+          <p:nvPr/>
+        </p:nvSpPr>
+        <p:spPr>
+          <a:xfrm>
+            <a:off x="8153400" y="5105400"/>
+            <a:ext cx="609600" cy="1066800"/>
+          </a:xfrm>
+          <a:prstGeom prst="rect">
+            <a:avLst/>
+          </a:prstGeom>
+          <a:noFill/>
+          <a:ln>
+            <a:solidFill>
+              <a:srgbClr val="FF0000"/>
+            </a:solidFill>
+          </a:ln>
+        </p:spPr>
+        <p:style>
+          <a:lnRef idx="2">
+            <a:schemeClr val="accent1">
+              <a:shade val="50000"/>
+            </a:schemeClr>
+          </a:lnRef>
+          <a:fillRef idx="1">
+            <a:schemeClr val="accent1"/>
+          </a:fillRef>
+          <a:effectRef idx="0">
+            <a:schemeClr val="accent1"/>
+          </a:effectRef>
+          <a:fontRef idx="minor">
+            <a:schemeClr val="lt1"/>
+          </a:fontRef>
+        </p:style>
+        <p:txBody>
+          <a:bodyPr rtlCol="0" anchor="ctr"/>
+          <a:lstStyle/>
+          <a:p>
+            <a:pPr algn="ctr"/>
+            <a:endParaRPr lang="en-US" dirty="0">
+              <a:solidFill>
+                <a:sysClr val="windowText" lastClr="000000"/>
+              </a:solidFill>
+            </a:endParaRPr>
+          </a:p>
+        </p:txBody>
+      </p:sp>
+      <p:sp>
+        <p:nvSpPr>
+          <p:cNvPr id="11" name="TextBox 10"/>
+          <p:cNvSpPr txBox="1"/>
+          <p:nvPr/>
+        </p:nvSpPr>
+        <p:spPr>
+          <a:xfrm>
+            <a:off x="7543800" y="3918108"/>
+            <a:ext cx="1600200" cy="1477328"/>
+          </a:xfrm>
+          <a:prstGeom prst="rect">
+            <a:avLst/>
+          </a:prstGeom>
+          <a:noFill/>
+        </p:spPr>
+        <p:txBody>
+          <a:bodyPr wrap="square" rtlCol="0">
+            <a:spAutoFit/>
+          </a:bodyPr>
+          <a:lstStyle/>
+          <a:p>
+            <a:r>
+              <a:rPr lang="en-US" dirty="0">
+                <a:solidFill>
+                  <a:srgbClr val="FF0000"/>
+                </a:solidFill>
+              </a:rPr>
+              <a:t>When you </a:t>
+            </a:r>
+            <a:r>
+              <a:rPr lang="en-US" smtClean="0">
+                <a:solidFill>
+                  <a:srgbClr val="FF0000"/>
+                </a:solidFill>
+              </a:rPr>
+              <a:t>are very attractive </a:t>
+            </a:r>
+            <a:r>
+              <a:rPr lang="en-US" dirty="0" smtClean="0">
+                <a:solidFill>
+                  <a:srgbClr val="FF0000"/>
+                </a:solidFill>
+              </a:rPr>
+              <a:t>and funny</a:t>
+            </a:r>
+            <a:endParaRPr lang="en-US" dirty="0">
+              <a:solidFill>
+                <a:srgbClr val="FF0000"/>
+              </a:solidFill>
+            </a:endParaRPr>
+          </a:p>
+          <a:p>
+            <a:endParaRPr lang="en-US" dirty="0">
+              <a:solidFill>
+                <a:srgbClr val="FF0000"/>
+              </a:solidFill>
+            </a:endParaRPr>
+          </a:p>
+        </p:txBody>
+      </p:sp>
+    </p:spTree>
+    <p:extLst>
+      <p:ext uri="{BB962C8B-B14F-4D97-AF65-F5344CB8AC3E}">
+        <p14:creationId xmlns:p14="http://schemas.microsoft.com/office/powerpoint/2010/main" val="1726266277"/>
+      </p:ext>
+    </p:extLst>
+  </p:cSld>
+  <p:clrMapOvr>
+    <a:masterClrMapping/>
+  </p:clrMapOvr>
+  <p:timing>
+    <p:tnLst>
+      <p:par>
+        <p:cTn id="1" dur="indefinite" restart="never" nodeType="tmRoot"/>
+      </p:par>
+    </p:tnLst>
+  </p:timing>
+</p:sld>
+</file>
+
+<file path=ppt/slides/slide6.xml><?xml version="1.0" encoding="utf-8"?>
+<p:sld xmlns:a="http://schemas.openxmlformats.org/drawingml/2006/main" xmlns:r="http://schemas.openxmlformats.org/officeDocument/2006/relationships" xmlns:p="http://schemas.openxmlformats.org/presentationml/2006/main">
+  <p:cSld>
+    <p:spTree>
+      <p:nvGrpSpPr>
+        <p:cNvPr id="1" name=""/>
+        <p:cNvGrpSpPr/>
+        <p:nvPr/>
+      </p:nvGrpSpPr>
+      <p:grpSpPr>
+        <a:xfrm>
+          <a:off x="0" y="0"/>
+          <a:ext cx="0" cy="0"/>
+          <a:chOff x="0" y="0"/>
+          <a:chExt cx="0" cy="0"/>
+        </a:xfrm>
+      </p:grpSpPr>
+      <p:sp>
+        <p:nvSpPr>
+          <p:cNvPr id="2" name="Title 1"/>
+          <p:cNvSpPr>
+            <a:spLocks noGrp="1"/>
+          </p:cNvSpPr>
+          <p:nvPr>
+            <p:ph type="title"/>
+          </p:nvPr>
+        </p:nvSpPr>
+        <p:spPr/>
+        <p:txBody>
+          <a:bodyPr/>
+          <a:lstStyle/>
+          <a:p>
+            <a:r>
               <a:rPr lang="en-US" dirty="0" smtClean="0"/>
               <a:t>Classification (</a:t>
             </a:r>
@@ -4580,7 +5423,7 @@
           <p:nvPr/>
         </p:nvPicPr>
         <p:blipFill>
-          <a:blip r:embed="rId2"/>
+          <a:blip r:embed="rId3"/>
           <a:stretch>
             <a:fillRect/>
           </a:stretch>
@@ -4605,74 +5448,13 @@
   <p:clrMapOvr>
     <a:masterClrMapping/>
   </p:clrMapOvr>
-</p:sld>
-</file>
-
-<file path=ppt/slides/slide6.xml><?xml version="1.0" encoding="utf-8"?>
-<p:sld xmlns:a="http://schemas.openxmlformats.org/drawingml/2006/main" xmlns:r="http://schemas.openxmlformats.org/officeDocument/2006/relationships" xmlns:p="http://schemas.openxmlformats.org/presentationml/2006/main">
-  <p:cSld>
-    <p:spTree>
-      <p:nvGrpSpPr>
-        <p:cNvPr id="1" name=""/>
-        <p:cNvGrpSpPr/>
-        <p:nvPr/>
-      </p:nvGrpSpPr>
-      <p:grpSpPr>
-        <a:xfrm>
-          <a:off x="0" y="0"/>
-          <a:ext cx="0" cy="0"/>
-          <a:chOff x="0" y="0"/>
-          <a:chExt cx="0" cy="0"/>
-        </a:xfrm>
-      </p:grpSpPr>
-      <p:sp>
-        <p:nvSpPr>
-          <p:cNvPr id="2" name="Title 1"/>
-          <p:cNvSpPr>
-            <a:spLocks noGrp="1"/>
-          </p:cNvSpPr>
-          <p:nvPr>
-            <p:ph type="title"/>
-          </p:nvPr>
-        </p:nvSpPr>
-        <p:spPr/>
-        <p:txBody>
-          <a:bodyPr/>
-          <a:lstStyle/>
-          <a:p>
-            <a:endParaRPr lang="en-US"/>
-          </a:p>
-        </p:txBody>
-      </p:sp>
-      <p:sp>
-        <p:nvSpPr>
-          <p:cNvPr id="3" name="Content Placeholder 2"/>
-          <p:cNvSpPr>
-            <a:spLocks noGrp="1"/>
-          </p:cNvSpPr>
-          <p:nvPr>
-            <p:ph idx="1"/>
-          </p:nvPr>
-        </p:nvSpPr>
-        <p:spPr/>
-        <p:txBody>
-          <a:bodyPr/>
-          <a:lstStyle/>
-          <a:p>
-            <a:endParaRPr lang="en-US"/>
-          </a:p>
-        </p:txBody>
-      </p:sp>
-    </p:spTree>
-    <p:extLst>
-      <p:ext uri="{BB962C8B-B14F-4D97-AF65-F5344CB8AC3E}">
-        <p14:creationId xmlns:p14="http://schemas.microsoft.com/office/powerpoint/2010/main" val="1726266277"/>
-      </p:ext>
-    </p:extLst>
-  </p:cSld>
-  <p:clrMapOvr>
-    <a:masterClrMapping/>
-  </p:clrMapOvr>
+  <p:timing>
+    <p:tnLst>
+      <p:par>
+        <p:cTn id="1" dur="indefinite" restart="never" nodeType="tmRoot"/>
+      </p:par>
+    </p:tnLst>
+  </p:timing>
 </p:sld>
 </file>
 
@@ -4868,6 +5650,13 @@
   <p:clrMapOvr>
     <a:masterClrMapping/>
   </p:clrMapOvr>
+  <p:timing>
+    <p:tnLst>
+      <p:par>
+        <p:cTn id="1" dur="indefinite" restart="never" nodeType="tmRoot"/>
+      </p:par>
+    </p:tnLst>
+  </p:timing>
 </p:sld>
 </file>
 
@@ -4951,37 +5740,35 @@
               <a:rPr lang="en-US" dirty="0" smtClean="0"/>
               <a:t>Be more sincere if you are both</a:t>
             </a:r>
+          </a:p>
+          <a:p>
+            <a:r>
+              <a:rPr lang="en-US" dirty="0" smtClean="0"/>
+              <a:t>Further Research</a:t>
+            </a:r>
+            <a:r>
+              <a:rPr lang="en-US" dirty="0" smtClean="0"/>
+              <a:t>:</a:t>
+            </a:r>
+          </a:p>
+          <a:p>
+            <a:pPr lvl="1"/>
+            <a:r>
+              <a:rPr lang="en-US" dirty="0" smtClean="0"/>
+              <a:t>Ratings to men might not be unbiased estimate of men’s characteristics</a:t>
+            </a:r>
             <a:endParaRPr lang="en-US" dirty="0" smtClean="0"/>
           </a:p>
           <a:p>
-            <a:r>
-              <a:rPr lang="en-US" dirty="0" smtClean="0"/>
-              <a:t>Further Research:</a:t>
-            </a:r>
-            <a:endParaRPr lang="en-US" dirty="0" smtClean="0"/>
-          </a:p>
-          <a:p>
             <a:pPr lvl="1"/>
             <a:r>
               <a:rPr lang="en-US" dirty="0" smtClean="0"/>
-              <a:t>Find c</a:t>
-            </a:r>
-            <a:r>
-              <a:rPr lang="en-US" dirty="0" smtClean="0"/>
-              <a:t>orrelations </a:t>
-            </a:r>
-            <a:r>
-              <a:rPr lang="en-US" dirty="0" smtClean="0"/>
-              <a:t>between ratings and other attributes</a:t>
-            </a:r>
-          </a:p>
-          <a:p>
-            <a:pPr lvl="1"/>
-            <a:r>
-              <a:rPr lang="en-US" dirty="0" smtClean="0"/>
-              <a:t>Include education and income measurement </a:t>
-            </a:r>
-            <a:endParaRPr lang="en-US" dirty="0" smtClean="0"/>
+              <a:t>Include </a:t>
+            </a:r>
+            <a:r>
+              <a:rPr lang="en-US" dirty="0" smtClean="0"/>
+              <a:t>education and income measurement </a:t>
+            </a:r>
           </a:p>
           <a:p>
             <a:pPr lvl="1"/>
@@ -5003,6 +5790,13 @@
   <p:clrMapOvr>
     <a:masterClrMapping/>
   </p:clrMapOvr>
+  <p:timing>
+    <p:tnLst>
+      <p:par>
+        <p:cTn id="1" dur="indefinite" restart="never" nodeType="tmRoot"/>
+      </p:par>
+    </p:tnLst>
+  </p:timing>
 </p:sld>
 </file>
 

--- a/baej.lih.project-1 Presentation.pptx
+++ b/baej.lih.project-1 Presentation.pptx
@@ -116,7 +116,7 @@
   </p:defaultTextStyle>
   <p:extLst>
     <p:ext uri="{EFAFB233-063F-42B5-8137-9DF3F51BA10A}">
-      <p15:sldGuideLst xmlns:p15="http://schemas.microsoft.com/office/powerpoint/2012/main">
+      <p15:sldGuideLst xmlns:p15="http://schemas.microsoft.com/office/powerpoint/2012/main" xmlns="">
         <p15:guide id="1" orient="horz" pos="2160">
           <p15:clr>
             <a:srgbClr val="A4A3A4"/>
@@ -215,7 +215,7 @@
           <a:p>
             <a:fld id="{7FB712BC-AE2B-4760-94D7-99B3CEF02D64}" type="datetimeFigureOut">
               <a:rPr lang="en-US" smtClean="0"/>
-              <a:t>11/7/16</a:t>
+              <a:t>11/7/2016</a:t>
             </a:fld>
             <a:endParaRPr lang="en-US"/>
           </a:p>
@@ -1217,7 +1217,7 @@
           <a:p>
             <a:fld id="{9B2D2B65-2278-4999-8038-1EF4CF8A0D7C}" type="datetimeFigureOut">
               <a:rPr lang="en-US" smtClean="0"/>
-              <a:t>11/7/16</a:t>
+              <a:t>11/7/2016</a:t>
             </a:fld>
             <a:endParaRPr lang="en-US"/>
           </a:p>
@@ -1417,7 +1417,7 @@
           <a:p>
             <a:fld id="{9B2D2B65-2278-4999-8038-1EF4CF8A0D7C}" type="datetimeFigureOut">
               <a:rPr lang="en-US" smtClean="0"/>
-              <a:t>11/7/16</a:t>
+              <a:t>11/7/2016</a:t>
             </a:fld>
             <a:endParaRPr lang="en-US"/>
           </a:p>
@@ -1592,7 +1592,7 @@
           <a:p>
             <a:fld id="{9B2D2B65-2278-4999-8038-1EF4CF8A0D7C}" type="datetimeFigureOut">
               <a:rPr lang="en-US" smtClean="0"/>
-              <a:t>11/7/16</a:t>
+              <a:t>11/7/2016</a:t>
             </a:fld>
             <a:endParaRPr lang="en-US"/>
           </a:p>
@@ -1757,7 +1757,7 @@
           <a:p>
             <a:fld id="{9B2D2B65-2278-4999-8038-1EF4CF8A0D7C}" type="datetimeFigureOut">
               <a:rPr lang="en-US" smtClean="0"/>
-              <a:t>11/7/16</a:t>
+              <a:t>11/7/2016</a:t>
             </a:fld>
             <a:endParaRPr lang="en-US"/>
           </a:p>
@@ -2005,7 +2005,7 @@
           <a:p>
             <a:fld id="{9B2D2B65-2278-4999-8038-1EF4CF8A0D7C}" type="datetimeFigureOut">
               <a:rPr lang="en-US" smtClean="0"/>
-              <a:t>11/7/16</a:t>
+              <a:t>11/7/2016</a:t>
             </a:fld>
             <a:endParaRPr lang="en-US"/>
           </a:p>
@@ -2323,7 +2323,7 @@
           <a:p>
             <a:fld id="{9B2D2B65-2278-4999-8038-1EF4CF8A0D7C}" type="datetimeFigureOut">
               <a:rPr lang="en-US" smtClean="0"/>
-              <a:t>11/7/16</a:t>
+              <a:t>11/7/2016</a:t>
             </a:fld>
             <a:endParaRPr lang="en-US"/>
           </a:p>
@@ -2789,7 +2789,7 @@
           <a:p>
             <a:fld id="{9B2D2B65-2278-4999-8038-1EF4CF8A0D7C}" type="datetimeFigureOut">
               <a:rPr lang="en-US" smtClean="0"/>
-              <a:t>11/7/16</a:t>
+              <a:t>11/7/2016</a:t>
             </a:fld>
             <a:endParaRPr lang="en-US"/>
           </a:p>
@@ -2937,7 +2937,7 @@
           <a:p>
             <a:fld id="{9B2D2B65-2278-4999-8038-1EF4CF8A0D7C}" type="datetimeFigureOut">
               <a:rPr lang="en-US" smtClean="0"/>
-              <a:t>11/7/16</a:t>
+              <a:t>11/7/2016</a:t>
             </a:fld>
             <a:endParaRPr lang="en-US"/>
           </a:p>
@@ -3027,7 +3027,7 @@
           <a:p>
             <a:fld id="{9B2D2B65-2278-4999-8038-1EF4CF8A0D7C}" type="datetimeFigureOut">
               <a:rPr lang="en-US" smtClean="0"/>
-              <a:t>11/7/16</a:t>
+              <a:t>11/7/2016</a:t>
             </a:fld>
             <a:endParaRPr lang="en-US"/>
           </a:p>
@@ -3301,7 +3301,7 @@
           <a:p>
             <a:fld id="{9B2D2B65-2278-4999-8038-1EF4CF8A0D7C}" type="datetimeFigureOut">
               <a:rPr lang="en-US" smtClean="0"/>
-              <a:t>11/7/16</a:t>
+              <a:t>11/7/2016</a:t>
             </a:fld>
             <a:endParaRPr lang="en-US"/>
           </a:p>
@@ -3606,7 +3606,7 @@
           <a:p>
             <a:fld id="{9B2D2B65-2278-4999-8038-1EF4CF8A0D7C}" type="datetimeFigureOut">
               <a:rPr lang="en-US" smtClean="0"/>
-              <a:t>11/7/16</a:t>
+              <a:t>11/7/2016</a:t>
             </a:fld>
             <a:endParaRPr lang="en-US"/>
           </a:p>
@@ -3904,7 +3904,7 @@
           <a:p>
             <a:fld id="{9B2D2B65-2278-4999-8038-1EF4CF8A0D7C}" type="datetimeFigureOut">
               <a:rPr lang="en-US" smtClean="0"/>
-              <a:t>11/7/16</a:t>
+              <a:t>11/7/2016</a:t>
             </a:fld>
             <a:endParaRPr lang="en-US"/>
           </a:p>
@@ -4753,7 +4753,6 @@
               <a:rPr lang="en-US" dirty="0" smtClean="0"/>
               <a:t>Select following variables: </a:t>
             </a:r>
-            <a:endParaRPr lang="en-US" dirty="0" smtClean="0"/>
           </a:p>
           <a:p>
             <a:pPr lvl="1"/>
@@ -5046,7 +5045,7 @@
           </p:nvPr>
         </p:nvPicPr>
         <p:blipFill>
-          <a:blip r:embed="rId3">
+          <a:blip r:embed="rId3" cstate="print">
             <a:extLst>
               <a:ext uri="{28A0092B-C50C-407E-A947-70E740481C1C}">
                 <a14:useLocalDpi xmlns:a14="http://schemas.microsoft.com/office/drawing/2010/main" val="0"/>
@@ -5122,8 +5121,8 @@
         </p:nvSpPr>
         <p:spPr>
           <a:xfrm>
-            <a:off x="152400" y="4038600"/>
-            <a:ext cx="1600200" cy="1200329"/>
+            <a:off x="141790" y="3780472"/>
+            <a:ext cx="1600200" cy="1477328"/>
           </a:xfrm>
           <a:prstGeom prst="rect">
             <a:avLst/>
@@ -5142,7 +5141,23 @@
                   <a:srgbClr val="FF0000"/>
                 </a:solidFill>
               </a:rPr>
-              <a:t>When you not attractive or funny </a:t>
+              <a:t>When you </a:t>
+            </a:r>
+            <a:r>
+              <a:rPr lang="en-US" dirty="0" smtClean="0">
+                <a:solidFill>
+                  <a:srgbClr val="FF0000"/>
+                </a:solidFill>
+              </a:rPr>
+              <a:t>are not </a:t>
+            </a:r>
+            <a:r>
+              <a:rPr lang="en-US" dirty="0">
+                <a:solidFill>
+                  <a:srgbClr val="FF0000"/>
+                </a:solidFill>
+              </a:rPr>
+              <a:t>attractive or funny </a:t>
             </a:r>
             <a:r>
               <a:rPr lang="en-US" dirty="0" smtClean="0">
@@ -5744,11 +5759,7 @@
           <a:p>
             <a:r>
               <a:rPr lang="en-US" dirty="0" smtClean="0"/>
-              <a:t>Further Research</a:t>
-            </a:r>
-            <a:r>
-              <a:rPr lang="en-US" dirty="0" smtClean="0"/>
-              <a:t>:</a:t>
+              <a:t>Further Research:</a:t>
             </a:r>
           </a:p>
           <a:p>
@@ -5757,17 +5768,12 @@
               <a:rPr lang="en-US" dirty="0" smtClean="0"/>
               <a:t>Ratings to men might not be unbiased estimate of men’s characteristics</a:t>
             </a:r>
-            <a:endParaRPr lang="en-US" dirty="0" smtClean="0"/>
           </a:p>
           <a:p>
             <a:pPr lvl="1"/>
             <a:r>
               <a:rPr lang="en-US" dirty="0" smtClean="0"/>
-              <a:t>Include </a:t>
-            </a:r>
-            <a:r>
-              <a:rPr lang="en-US" dirty="0" smtClean="0"/>
-              <a:t>education and income measurement </a:t>
+              <a:t>Include education and income measurement </a:t>
             </a:r>
           </a:p>
           <a:p>
